--- a/final ppt/07-tagging-101.pptx
+++ b/final ppt/07-tagging-101.pptx
@@ -5,7 +5,7 @@
     <p:sldMasterId id="2147483660" r:id="rId1"/>
   </p:sldMasterIdLst>
   <p:notesMasterIdLst>
-    <p:notesMasterId r:id="rId11"/>
+    <p:notesMasterId r:id="rId16"/>
   </p:notesMasterIdLst>
   <p:sldIdLst>
     <p:sldId id="256" r:id="rId2"/>
@@ -13,10 +13,15 @@
     <p:sldId id="258" r:id="rId4"/>
     <p:sldId id="259" r:id="rId5"/>
     <p:sldId id="260" r:id="rId6"/>
-    <p:sldId id="261" r:id="rId7"/>
-    <p:sldId id="262" r:id="rId8"/>
-    <p:sldId id="263" r:id="rId9"/>
-    <p:sldId id="264" r:id="rId10"/>
+    <p:sldId id="267" r:id="rId7"/>
+    <p:sldId id="268" r:id="rId8"/>
+    <p:sldId id="265" r:id="rId9"/>
+    <p:sldId id="266" r:id="rId10"/>
+    <p:sldId id="261" r:id="rId11"/>
+    <p:sldId id="262" r:id="rId12"/>
+    <p:sldId id="269" r:id="rId13"/>
+    <p:sldId id="263" r:id="rId14"/>
+    <p:sldId id="264" r:id="rId15"/>
   </p:sldIdLst>
   <p:sldSz cx="12192000" cy="6858000"/>
   <p:notesSz cx="6858000" cy="9144000"/>
@@ -323,7 +328,7 @@
           <a:p>
             <a:fld id="{0F9C1CCF-B725-44A7-AA57-5E433BD85C9F}" type="datetimeFigureOut">
               <a:rPr lang="en-US" smtClean="0"/>
-              <a:t>8/30/2021</a:t>
+              <a:t>9/10/2021</a:t>
             </a:fld>
             <a:endParaRPr lang="en-US"/>
           </a:p>
@@ -1048,9 +1053,92 @@
               <a:buNone/>
             </a:pPr>
             <a:r>
-              <a:rPr/>
-              <a:t>[3 min]</a:t>
-            </a:r>
+              <a:rPr dirty="0"/>
+              <a:t>[3 min</a:t>
+            </a:r>
+            <a:r>
+              <a:rPr dirty="0" smtClean="0"/>
+              <a:t>]</a:t>
+            </a:r>
+            <a:endParaRPr lang="en-GB" dirty="0" smtClean="0"/>
+          </a:p>
+          <a:p>
+            <a:pPr marL="0" lvl="0" indent="0">
+              <a:buNone/>
+            </a:pPr>
+            <a:endParaRPr lang="en-GB" dirty="0" smtClean="0"/>
+          </a:p>
+          <a:p>
+            <a:pPr lvl="1"/>
+            <a:r>
+              <a:rPr lang="en-GB" dirty="0" smtClean="0"/>
+              <a:t>Review core concepts, frame and connect this topic to a big idea. Explain:</a:t>
+            </a:r>
+          </a:p>
+          <a:p>
+            <a:pPr lvl="2"/>
+            <a:r>
+              <a:rPr lang="en-GB" dirty="0" smtClean="0"/>
+              <a:t>The Internet is a system of interconnected computers, and the world wide web is a system of interconnected pages that lives on the Internet.</a:t>
+            </a:r>
+          </a:p>
+          <a:p>
+            <a:pPr lvl="2"/>
+            <a:r>
+              <a:rPr lang="en-GB" dirty="0" smtClean="0"/>
+              <a:t>Web sites are spaces to access, share, and interact with multimedia content.</a:t>
+            </a:r>
+          </a:p>
+          <a:p>
+            <a:pPr lvl="2"/>
+            <a:r>
+              <a:rPr lang="en-GB" dirty="0" smtClean="0"/>
+              <a:t>The people who build the web– web developers and designers– use a computer coding language called </a:t>
+            </a:r>
+            <a:r>
+              <a:rPr lang="en-GB" dirty="0" err="1" smtClean="0"/>
+              <a:t>HyperText</a:t>
+            </a:r>
+            <a:r>
+              <a:rPr lang="en-GB" dirty="0" smtClean="0"/>
+              <a:t> </a:t>
+            </a:r>
+            <a:r>
+              <a:rPr lang="en-GB" dirty="0" err="1" smtClean="0"/>
+              <a:t>Markup</a:t>
+            </a:r>
+            <a:r>
+              <a:rPr lang="en-GB" dirty="0" smtClean="0"/>
+              <a:t> Language or HTML to make web pages</a:t>
+            </a:r>
+          </a:p>
+          <a:p>
+            <a:pPr lvl="2"/>
+            <a:r>
+              <a:rPr lang="en-GB" dirty="0" smtClean="0"/>
+              <a:t>When you access the web, you’re using a piece of software called a browser to display pages.</a:t>
+            </a:r>
+          </a:p>
+          <a:p>
+            <a:pPr marL="1270000" indent="0">
+              <a:buNone/>
+            </a:pPr>
+            <a:r>
+              <a:rPr lang="en-GB" sz="2000" dirty="0" smtClean="0"/>
+              <a:t>Tip! Ask who knows some examples of web browsers.</a:t>
+            </a:r>
+          </a:p>
+          <a:p>
+            <a:pPr marL="0" lvl="0" indent="0">
+              <a:buNone/>
+            </a:pPr>
+            <a:endParaRPr lang="en-GB" dirty="0" smtClean="0"/>
+          </a:p>
+          <a:p>
+            <a:pPr marL="0" lvl="0" indent="0">
+              <a:buNone/>
+            </a:pPr>
+            <a:endParaRPr dirty="0"/>
           </a:p>
         </p:txBody>
       </p:sp>
@@ -1138,8 +1226,16 @@
               <a:buNone/>
             </a:pPr>
             <a:r>
-              <a:rPr/>
-              <a:t>(5-7 mins)</a:t>
+              <a:rPr dirty="0"/>
+              <a:t>(5-7 </a:t>
+            </a:r>
+            <a:r>
+              <a:rPr dirty="0" err="1"/>
+              <a:t>mins</a:t>
+            </a:r>
+            <a:r>
+              <a:rPr dirty="0"/>
+              <a:t>)</a:t>
             </a:r>
           </a:p>
         </p:txBody>
@@ -1251,7 +1347,7 @@
           <a:p>
             <a:fld id="{18BDFEC3-8487-43E8-A154-7C12CBC1FFF2}" type="slidenum">
               <a:rPr lang="en-US"/>
-              <a:t>6</a:t>
+              <a:t>10</a:t>
             </a:fld>
             <a:endParaRPr lang="en-US"/>
           </a:p>
@@ -1341,7 +1437,7 @@
           <a:p>
             <a:fld id="{18BDFEC3-8487-43E8-A154-7C12CBC1FFF2}" type="slidenum">
               <a:rPr lang="en-US"/>
-              <a:t>7</a:t>
+              <a:t>11</a:t>
             </a:fld>
             <a:endParaRPr lang="en-US"/>
           </a:p>
@@ -1408,97 +1504,328 @@
               <a:buNone/>
             </a:pPr>
             <a:r>
-              <a:rPr/>
-              <a:t>[15 mins]</a:t>
+              <a:rPr dirty="0"/>
+              <a:t>[15 </a:t>
+            </a:r>
+            <a:r>
+              <a:rPr dirty="0" err="1"/>
+              <a:t>mins</a:t>
+            </a:r>
+            <a:r>
+              <a:rPr dirty="0"/>
+              <a:t>]</a:t>
             </a:r>
           </a:p>
           <a:p>
             <a:pPr marL="0" lvl="0" indent="0">
               <a:buNone/>
             </a:pPr>
-            <a:endParaRPr/>
-          </a:p>
-          <a:p>
-            <a:pPr marL="0" lvl="0" indent="0">
-              <a:spcBef>
-                <a:spcPts val="3000"/>
-              </a:spcBef>
+            <a:endParaRPr lang="en-GB" dirty="0" smtClean="0"/>
+          </a:p>
+          <a:p>
+            <a:pPr lvl="1"/>
+            <a:r>
+              <a:rPr lang="en-GB" dirty="0" smtClean="0"/>
+              <a:t>Introduction: Explain that we’ve seen what tags look like, and how they work with content (what’s inside the tags). Now let’s practice using some real tags that are part of the </a:t>
+            </a:r>
+            <a:r>
+              <a:rPr lang="en-GB" dirty="0" err="1" smtClean="0"/>
+              <a:t>HyperText</a:t>
+            </a:r>
+            <a:r>
+              <a:rPr lang="en-GB" dirty="0" smtClean="0"/>
+              <a:t> </a:t>
+            </a:r>
+            <a:r>
+              <a:rPr lang="en-GB" dirty="0" err="1" smtClean="0"/>
+              <a:t>Markup</a:t>
+            </a:r>
+            <a:r>
+              <a:rPr lang="en-GB" dirty="0" smtClean="0"/>
+              <a:t> Language (HTML).</a:t>
+            </a:r>
+          </a:p>
+          <a:p>
+            <a:pPr lvl="1"/>
+            <a:r>
+              <a:rPr lang="en-GB" dirty="0" smtClean="0"/>
+              <a:t>First, let’s check out a simple HTML document– guess what– from a web designer and developer, when they are building web pages, what they are working with is HTML code in a simple text file.</a:t>
+            </a:r>
+          </a:p>
+          <a:p>
+            <a:pPr marL="1270000" indent="0">
               <a:buNone/>
             </a:pPr>
             <a:r>
-              <a:rPr b="1"/>
-              <a:t>Learning Experience Reflection</a:t>
+              <a:rPr lang="en-GB" sz="2000" dirty="0" smtClean="0"/>
+              <a:t>Tip! Open a simple HTML document in a text editor– </a:t>
+            </a:r>
+            <a:r>
+              <a:rPr lang="en-GB" sz="2000" dirty="0" err="1" smtClean="0"/>
+              <a:t>NotePad</a:t>
+            </a:r>
+            <a:r>
+              <a:rPr lang="en-GB" sz="2000" dirty="0" smtClean="0"/>
+              <a:t> for PC and </a:t>
+            </a:r>
+            <a:r>
+              <a:rPr lang="en-GB" sz="2000" dirty="0" err="1" smtClean="0"/>
+              <a:t>TextEdit</a:t>
+            </a:r>
+            <a:r>
+              <a:rPr lang="en-GB" sz="2000" dirty="0" smtClean="0"/>
+              <a:t> for Mac, and also show it in a browser. Point out the tags in the document, and </a:t>
+            </a:r>
+            <a:r>
+              <a:rPr lang="en-GB" sz="2000" dirty="0" err="1" smtClean="0"/>
+              <a:t>and</a:t>
+            </a:r>
+            <a:r>
+              <a:rPr lang="en-GB" sz="2000" dirty="0" smtClean="0"/>
+              <a:t> show what they do. Suggested basic tags: h1, h2, h3, p, a, body. You can also show a more complex document (use View Source in the browser) to show that all web pages are text and code interpreted by the computer.</a:t>
+            </a:r>
+          </a:p>
+          <a:p>
+            <a:pPr lvl="1"/>
+            <a:r>
+              <a:rPr lang="en-GB" dirty="0" smtClean="0"/>
+              <a:t>These tags have agreed-upon meanings, so that both web developers and the people that write the browser software understand what they mean. The only reason why these tags work is because of those agreements– if you try to use some of your fun tags from “Tag the World” or “Tag </a:t>
+            </a:r>
+            <a:r>
+              <a:rPr lang="en-GB" dirty="0" err="1" smtClean="0"/>
+              <a:t>Tag</a:t>
+            </a:r>
+            <a:r>
+              <a:rPr lang="en-GB" dirty="0" smtClean="0"/>
+              <a:t> Revolution” on a web page, you won’t see anything, sadly.</a:t>
+            </a:r>
+          </a:p>
+          <a:p>
+            <a:pPr marL="1270000" indent="0">
+              <a:buNone/>
+            </a:pPr>
+            <a:r>
+              <a:rPr lang="en-GB" sz="2000" dirty="0" smtClean="0"/>
+              <a:t>Tip! If learners are confused about what kind of tags would be relevant in HTML, remind them that HTML stands for “</a:t>
+            </a:r>
+            <a:r>
+              <a:rPr lang="en-GB" sz="2000" dirty="0" err="1" smtClean="0"/>
+              <a:t>HyperText</a:t>
+            </a:r>
+            <a:r>
+              <a:rPr lang="en-GB" sz="2000" dirty="0" smtClean="0"/>
+              <a:t> </a:t>
+            </a:r>
+            <a:r>
+              <a:rPr lang="en-GB" sz="2000" dirty="0" err="1" smtClean="0"/>
+              <a:t>Markup</a:t>
+            </a:r>
+            <a:r>
+              <a:rPr lang="en-GB" sz="2000" dirty="0" smtClean="0"/>
+              <a:t> Language”– that we assign tags to text content. Ask: why would “paragraph” be an HTML tag, and not “clap” or “sing”</a:t>
+            </a:r>
+          </a:p>
+          <a:p>
+            <a:pPr lvl="1"/>
+            <a:r>
+              <a:rPr lang="en-GB" dirty="0" smtClean="0"/>
+              <a:t>When you use these tags, you’re writing HTML! And when the browser sees them, it will transform your web page from a boring block of text to something interesting and easy to read.</a:t>
+            </a:r>
+          </a:p>
+          <a:p>
+            <a:pPr lvl="1"/>
+            <a:r>
+              <a:rPr lang="en-GB" dirty="0" smtClean="0"/>
+              <a:t>Let’s Tag! Get learners to add tags to some existing content.</a:t>
+            </a:r>
+          </a:p>
+          <a:p>
+            <a:pPr lvl="1"/>
+            <a:r>
+              <a:rPr lang="en-GB" dirty="0" smtClean="0"/>
+              <a:t>OFFLINE, For this part, you’ll need some content– maybe a fun news story or a biography of someone, or some other interesting content, printed out big on 11x 7 sheets, and chopped up into chunks– paragraphs, headings, links, etc. You’ll also need some sticky note or paper slips for tags. Either write out the tags, or let learners create the (from the list only). Split users into small groups and give each group a collection of text and of tags.</a:t>
+            </a:r>
+          </a:p>
+          <a:p>
+            <a:pPr lvl="1"/>
+            <a:r>
+              <a:rPr lang="en-GB" dirty="0" smtClean="0"/>
+              <a:t>ONLINE, For this part you will need a text file with some basic unformatted content in it, same type as above. First ask users to save the file as .html. Explain the purpose of the</a:t>
+            </a:r>
+          </a:p>
+          <a:p>
+            <a:pPr lvl="1">
+              <a:buNone/>
+            </a:pPr>
+            <a:r>
+              <a:rPr lang="en-GB" dirty="0" smtClean="0"/>
+              <a:t>and</a:t>
+            </a:r>
+          </a:p>
+          <a:p>
+            <a:pPr lvl="1">
+              <a:buNone/>
+            </a:pPr>
+            <a:r>
+              <a:rPr lang="en-GB" dirty="0" smtClean="0"/>
+              <a:t>tags. Then set them loose to type in their tags!</a:t>
+            </a:r>
+          </a:p>
+          <a:p>
+            <a:pPr marL="1270000" indent="0">
+              <a:buNone/>
+            </a:pPr>
+            <a:r>
+              <a:rPr lang="en-GB" sz="2000" dirty="0" smtClean="0"/>
+              <a:t>Tip! For ONLINE, create a text file with the content, and have users edit it with THE MOST BASIC text editor– Notepad on a PC or </a:t>
+            </a:r>
+            <a:r>
+              <a:rPr lang="en-GB" sz="2000" dirty="0" err="1" smtClean="0"/>
+              <a:t>TextEdit</a:t>
+            </a:r>
+            <a:r>
+              <a:rPr lang="en-GB" sz="2000" dirty="0" smtClean="0"/>
+              <a:t> on a Mac– in plain text mode. Facilitator may need to explain the head, title tags.</a:t>
+            </a:r>
+          </a:p>
+          <a:p>
+            <a:pPr lvl="1"/>
+            <a:r>
+              <a:rPr lang="en-GB" dirty="0" smtClean="0"/>
+              <a:t>Explain to learners that they need to first surround all the content with the body tags– let the browser know that all the content here is for display on the web!</a:t>
+            </a:r>
+          </a:p>
+          <a:p>
+            <a:pPr lvl="1"/>
+            <a:r>
+              <a:rPr lang="en-GB" dirty="0" smtClean="0"/>
+              <a:t>Ask learners to organize the content using the tags. Find the biggest most important headings, break up the paragraphs, add small headings, and look for stuff that can be hyperlinks. Walk around the room and help here and there.</a:t>
+            </a:r>
+          </a:p>
+          <a:p>
+            <a:pPr lvl="1"/>
+            <a:r>
+              <a:rPr lang="en-GB" dirty="0" smtClean="0"/>
+              <a:t>At the end of the exercise, if possible, both online and offline learners should see the page loaded into a browser. Online learners can save and open their .html file in a browser. For offline learners, the facilitator should if possible show the finished page on a computer and monitor.</a:t>
+            </a:r>
+          </a:p>
+          <a:p>
+            <a:pPr lvl="1"/>
+            <a:r>
+              <a:rPr lang="en-GB" dirty="0" smtClean="0"/>
+              <a:t>Explain to users that these files are still on their local computers, and viewable only there. You haven’t yet put them “online” on a server, where others can find it, so they’re not on the web.</a:t>
+            </a:r>
+          </a:p>
+          <a:p>
+            <a:pPr marL="1270000" indent="0">
+              <a:buNone/>
+            </a:pPr>
+            <a:r>
+              <a:rPr lang="en-GB" sz="2000" dirty="0" smtClean="0"/>
+              <a:t>Tip! Remind users of the Map the Web activity, to help them visualize how their client computer is connected. They can access content on web servers, but other computers on the web can’t access the clients files.</a:t>
             </a:r>
           </a:p>
           <a:p>
             <a:pPr marL="0" lvl="0" indent="0">
               <a:buNone/>
             </a:pPr>
-            <a:endParaRPr b="1"/>
+            <a:endParaRPr lang="en-GB" dirty="0" smtClean="0"/>
           </a:p>
           <a:p>
             <a:pPr marL="0" lvl="0" indent="0">
               <a:buNone/>
             </a:pPr>
-            <a:r>
-              <a:rPr/>
-              <a:t>[5 mins]</a:t>
+            <a:endParaRPr dirty="0"/>
+          </a:p>
+          <a:p>
+            <a:pPr marL="0" lvl="0" indent="0">
+              <a:spcBef>
+                <a:spcPts val="3000"/>
+              </a:spcBef>
+              <a:buNone/>
+            </a:pPr>
+            <a:r>
+              <a:rPr b="1" dirty="0"/>
+              <a:t>Learning Experience Reflection</a:t>
             </a:r>
           </a:p>
           <a:p>
             <a:pPr marL="0" lvl="0" indent="0">
               <a:buNone/>
             </a:pPr>
-            <a:endParaRPr/>
-          </a:p>
-          <a:p>
-            <a:pPr lvl="1"/>
-            <a:r>
-              <a:rPr/>
-              <a:t>What did you like about this activity?</a:t>
-            </a:r>
+            <a:endParaRPr b="1" dirty="0"/>
           </a:p>
           <a:p>
             <a:pPr marL="0" lvl="0" indent="0">
               <a:buNone/>
             </a:pPr>
-            <a:endParaRPr/>
-          </a:p>
-          <a:p>
-            <a:pPr lvl="1"/>
-            <a:r>
-              <a:rPr/>
-              <a:t>If you might teach this activity to a particular audience, what might you change about the process, structure, or content to better meet the needs of that audience?</a:t>
+            <a:r>
+              <a:rPr dirty="0"/>
+              <a:t>[5 </a:t>
+            </a:r>
+            <a:r>
+              <a:rPr dirty="0" err="1"/>
+              <a:t>mins</a:t>
+            </a:r>
+            <a:r>
+              <a:rPr dirty="0"/>
+              <a:t>]</a:t>
             </a:r>
           </a:p>
           <a:p>
             <a:pPr marL="0" lvl="0" indent="0">
               <a:buNone/>
             </a:pPr>
-            <a:endParaRPr/>
-          </a:p>
-          <a:p>
-            <a:pPr marL="0" lvl="0" indent="0">
-              <a:spcBef>
-                <a:spcPts val="3000"/>
-              </a:spcBef>
-              <a:buNone/>
-            </a:pPr>
-            <a:r>
-              <a:rPr b="1"/>
-              <a:t>Feedback on Core Curriculum</a:t>
+            <a:endParaRPr dirty="0"/>
+          </a:p>
+          <a:p>
+            <a:pPr lvl="1"/>
+            <a:r>
+              <a:rPr dirty="0"/>
+              <a:t>What did you like about this activity?</a:t>
             </a:r>
           </a:p>
           <a:p>
             <a:pPr marL="0" lvl="0" indent="0">
               <a:buNone/>
             </a:pPr>
-            <a:endParaRPr b="1"/>
+            <a:endParaRPr dirty="0"/>
           </a:p>
           <a:p>
             <a:pPr lvl="1"/>
             <a:r>
-              <a:rPr/>
+              <a:rPr dirty="0"/>
+              <a:t>If you might teach this activity to a particular audience, what might you change about the process, structure, or content to better meet the needs of that audience?</a:t>
+            </a:r>
+          </a:p>
+          <a:p>
+            <a:pPr marL="0" lvl="0" indent="0">
+              <a:buNone/>
+            </a:pPr>
+            <a:endParaRPr dirty="0"/>
+          </a:p>
+          <a:p>
+            <a:pPr marL="0" lvl="0" indent="0">
+              <a:spcBef>
+                <a:spcPts val="3000"/>
+              </a:spcBef>
+              <a:buNone/>
+            </a:pPr>
+            <a:r>
+              <a:rPr b="1" dirty="0"/>
+              <a:t>Feedback on Core Curriculum</a:t>
+            </a:r>
+          </a:p>
+          <a:p>
+            <a:pPr marL="0" lvl="0" indent="0">
+              <a:buNone/>
+            </a:pPr>
+            <a:endParaRPr b="1" dirty="0"/>
+          </a:p>
+          <a:p>
+            <a:pPr lvl="1"/>
+            <a:r>
+              <a:rPr dirty="0"/>
               <a:t>Tell us how and where you’re using the curriculum and what you’ve learned and what you might change.</a:t>
             </a:r>
           </a:p>
@@ -1521,7 +1848,7 @@
           <a:p>
             <a:fld id="{18BDFEC3-8487-43E8-A154-7C12CBC1FFF2}" type="slidenum">
               <a:rPr lang="en-US"/>
-              <a:t>8</a:t>
+              <a:t>13</a:t>
             </a:fld>
             <a:endParaRPr lang="en-US"/>
           </a:p>
@@ -2159,7 +2486,7 @@
           <a:p>
             <a:fld id="{241EB5C9-1307-BA42-ABA2-0BC069CD8E7F}" type="datetimeFigureOut">
               <a:rPr lang="en-US" smtClean="0"/>
-              <a:t>8/30/2021</a:t>
+              <a:t>9/10/2021</a:t>
             </a:fld>
             <a:endParaRPr lang="en-US"/>
           </a:p>
@@ -6742,6 +7069,723 @@
       </p:transition>
     </mc:Fallback>
   </mc:AlternateContent>
+  <p:timing>
+    <p:tnLst>
+      <p:par>
+        <p:cTn id="1" dur="indefinite" restart="never" nodeType="tmRoot"/>
+      </p:par>
+    </p:tnLst>
+  </p:timing>
+</p:sld>
+</file>
+
+<file path=ppt/slides/slide10.xml><?xml version="1.0" encoding="utf-8"?>
+<p:sld xmlns:a="http://schemas.openxmlformats.org/drawingml/2006/main" xmlns:r="http://schemas.openxmlformats.org/officeDocument/2006/relationships" xmlns:p="http://schemas.openxmlformats.org/presentationml/2006/main">
+  <p:cSld>
+    <p:spTree>
+      <p:nvGrpSpPr>
+        <p:cNvPr id="1" name=""/>
+        <p:cNvGrpSpPr/>
+        <p:nvPr/>
+      </p:nvGrpSpPr>
+      <p:grpSpPr>
+        <a:xfrm>
+          <a:off x="0" y="0"/>
+          <a:ext cx="0" cy="0"/>
+          <a:chOff x="0" y="0"/>
+          <a:chExt cx="0" cy="0"/>
+        </a:xfrm>
+      </p:grpSpPr>
+      <p:sp>
+        <p:nvSpPr>
+          <p:cNvPr id="2" name="Title 1"/>
+          <p:cNvSpPr>
+            <a:spLocks noGrp="1"/>
+          </p:cNvSpPr>
+          <p:nvPr>
+            <p:ph type="title"/>
+          </p:nvPr>
+        </p:nvSpPr>
+        <p:spPr/>
+        <p:txBody>
+          <a:bodyPr/>
+          <a:lstStyle/>
+          <a:p>
+            <a:r>
+              <a:rPr/>
+              <a:t>Offline: Tag The World</a:t>
+            </a:r>
+          </a:p>
+        </p:txBody>
+      </p:sp>
+      <p:sp>
+        <p:nvSpPr>
+          <p:cNvPr id="3" name="Content Placeholder 2"/>
+          <p:cNvSpPr>
+            <a:spLocks noGrp="1"/>
+          </p:cNvSpPr>
+          <p:nvPr>
+            <p:ph idx="1"/>
+          </p:nvPr>
+        </p:nvSpPr>
+        <p:spPr/>
+        <p:txBody>
+          <a:bodyPr>
+            <a:normAutofit/>
+          </a:bodyPr>
+          <a:lstStyle/>
+          <a:p>
+            <a:pPr lvl="1"/>
+            <a:r>
+              <a:rPr sz="2400" dirty="0" smtClean="0">
+                <a:latin typeface="+mn-lt"/>
+              </a:rPr>
+              <a:t>When </a:t>
+            </a:r>
+            <a:r>
+              <a:rPr sz="2400" dirty="0">
+                <a:latin typeface="+mn-lt"/>
+              </a:rPr>
+              <a:t>we want to tag some content, we surround it with a matching pair of words, each word surrounded by a set of brackets “&lt; &gt;”. Here’s an example tag:</a:t>
+            </a:r>
+          </a:p>
+          <a:p>
+            <a:pPr lvl="2">
+              <a:buNone/>
+            </a:pPr>
+            <a:r>
+              <a:rPr lang="en-GB" sz="2400" dirty="0" smtClean="0">
+                <a:latin typeface="+mn-lt"/>
+              </a:rPr>
+              <a:t>&lt;title&gt; </a:t>
+            </a:r>
+            <a:r>
+              <a:rPr sz="2400" dirty="0" smtClean="0">
+                <a:latin typeface="+mn-lt"/>
+              </a:rPr>
+              <a:t>Tag </a:t>
+            </a:r>
+            <a:r>
+              <a:rPr sz="2400" dirty="0">
+                <a:latin typeface="+mn-lt"/>
+              </a:rPr>
+              <a:t>the </a:t>
+            </a:r>
+            <a:r>
+              <a:rPr sz="2400" dirty="0" smtClean="0">
+                <a:latin typeface="+mn-lt"/>
+              </a:rPr>
+              <a:t>World</a:t>
+            </a:r>
+            <a:r>
+              <a:rPr lang="en-GB" sz="2400" dirty="0" smtClean="0">
+                <a:latin typeface="+mn-lt"/>
+              </a:rPr>
+              <a:t> &lt;/title&gt;</a:t>
+            </a:r>
+            <a:endParaRPr sz="2400" dirty="0">
+              <a:latin typeface="+mn-lt"/>
+            </a:endParaRPr>
+          </a:p>
+          <a:p>
+            <a:pPr lvl="1"/>
+            <a:r>
+              <a:rPr sz="2400" dirty="0">
+                <a:latin typeface="+mn-lt"/>
+              </a:rPr>
+              <a:t>We ALWAYS use opening and closing tags to surround content.</a:t>
+            </a:r>
+          </a:p>
+          <a:p>
+            <a:pPr lvl="1"/>
+            <a:r>
+              <a:rPr lang="en-GB" sz="2400" dirty="0" smtClean="0">
+                <a:latin typeface="+mn-lt"/>
+              </a:rPr>
+              <a:t>M</a:t>
+            </a:r>
+            <a:r>
+              <a:rPr sz="2400" dirty="0" err="1" smtClean="0">
+                <a:latin typeface="+mn-lt"/>
+              </a:rPr>
+              <a:t>ake</a:t>
+            </a:r>
+            <a:r>
+              <a:rPr sz="2400" dirty="0" smtClean="0">
+                <a:latin typeface="+mn-lt"/>
+              </a:rPr>
+              <a:t> </a:t>
+            </a:r>
+            <a:r>
+              <a:rPr sz="2400" dirty="0">
+                <a:latin typeface="+mn-lt"/>
+              </a:rPr>
+              <a:t>your own tags and hang them up</a:t>
+            </a:r>
+            <a:r>
+              <a:rPr sz="2400" dirty="0" smtClean="0">
+                <a:latin typeface="+mn-lt"/>
+              </a:rPr>
+              <a:t>!</a:t>
+            </a:r>
+            <a:endParaRPr sz="2400" dirty="0">
+              <a:latin typeface="+mn-lt"/>
+            </a:endParaRPr>
+          </a:p>
+        </p:txBody>
+      </p:sp>
+    </p:spTree>
+  </p:cSld>
+  <p:clrMapOvr>
+    <a:masterClrMapping/>
+  </p:clrMapOvr>
+  <p:timing>
+    <p:tnLst>
+      <p:par>
+        <p:cTn id="1" dur="indefinite" restart="never" nodeType="tmRoot"/>
+      </p:par>
+    </p:tnLst>
+  </p:timing>
+</p:sld>
+</file>
+
+<file path=ppt/slides/slide11.xml><?xml version="1.0" encoding="utf-8"?>
+<p:sld xmlns:a="http://schemas.openxmlformats.org/drawingml/2006/main" xmlns:r="http://schemas.openxmlformats.org/officeDocument/2006/relationships" xmlns:p="http://schemas.openxmlformats.org/presentationml/2006/main" show="0">
+  <p:cSld>
+    <p:spTree>
+      <p:nvGrpSpPr>
+        <p:cNvPr id="1" name=""/>
+        <p:cNvGrpSpPr/>
+        <p:nvPr/>
+      </p:nvGrpSpPr>
+      <p:grpSpPr>
+        <a:xfrm>
+          <a:off x="0" y="0"/>
+          <a:ext cx="0" cy="0"/>
+          <a:chOff x="0" y="0"/>
+          <a:chExt cx="0" cy="0"/>
+        </a:xfrm>
+      </p:grpSpPr>
+      <p:sp>
+        <p:nvSpPr>
+          <p:cNvPr id="2" name="Title 1"/>
+          <p:cNvSpPr>
+            <a:spLocks noGrp="1"/>
+          </p:cNvSpPr>
+          <p:nvPr>
+            <p:ph type="title"/>
+          </p:nvPr>
+        </p:nvSpPr>
+        <p:spPr/>
+        <p:txBody>
+          <a:bodyPr/>
+          <a:lstStyle/>
+          <a:p>
+            <a:r>
+              <a:rPr/>
+              <a:t>Offline: Tag Tag Revolution</a:t>
+            </a:r>
+          </a:p>
+        </p:txBody>
+      </p:sp>
+      <p:sp>
+        <p:nvSpPr>
+          <p:cNvPr id="3" name="Content Placeholder 2"/>
+          <p:cNvSpPr>
+            <a:spLocks noGrp="1"/>
+          </p:cNvSpPr>
+          <p:nvPr>
+            <p:ph idx="1"/>
+          </p:nvPr>
+        </p:nvSpPr>
+        <p:spPr/>
+        <p:txBody>
+          <a:bodyPr>
+            <a:normAutofit fontScale="32500" lnSpcReduction="20000"/>
+          </a:bodyPr>
+          <a:lstStyle/>
+          <a:p>
+            <a:pPr lvl="1"/>
+            <a:r>
+              <a:rPr dirty="0"/>
+              <a:t>Introduction: Explain to participants that they are about to have a fun dance party to show them how HTML tags assign instructions to content.</a:t>
+            </a:r>
+          </a:p>
+          <a:p>
+            <a:r>
+              <a:rPr dirty="0" smtClean="0"/>
+              <a:t>Steps:</a:t>
+            </a:r>
+            <a:r>
+              <a:rPr lang="en-GB" i="1" dirty="0"/>
+              <a:t>ask learners, in this example, what is the title? </a:t>
+            </a:r>
+            <a:endParaRPr lang="en-GB" dirty="0"/>
+          </a:p>
+          <a:p>
+            <a:r>
+              <a:rPr lang="en-GB" dirty="0"/>
+              <a:t>    </a:t>
+            </a:r>
+          </a:p>
+          <a:p>
+            <a:pPr lvl="1"/>
+            <a:endParaRPr dirty="0"/>
+          </a:p>
+          <a:p>
+            <a:pPr lvl="1"/>
+            <a:r>
+              <a:rPr dirty="0"/>
+              <a:t>Arrange the players into a circle, making sure there is enough room to walk around the outside of the circle.</a:t>
+            </a:r>
+          </a:p>
+          <a:p>
+            <a:pPr marL="1270000" indent="0">
+              <a:buNone/>
+            </a:pPr>
+            <a:r>
+              <a:rPr sz="2000" dirty="0"/>
+              <a:t>Tip! This game is best played with groups over 10. If you have a larger group, you may want to add some extra tags. If you have a small group you may want to use fewer. Feel free to make up your own.</a:t>
+            </a:r>
+          </a:p>
+          <a:p>
+            <a:pPr lvl="1"/>
+            <a:r>
+              <a:rPr dirty="0"/>
+              <a:t>Select two players from the group to be the “Coders”. Hand one of them the first open tag and the other one the corresponding closed tag. Start with an easy one like  and .</a:t>
+            </a:r>
+          </a:p>
+          <a:p>
+            <a:pPr lvl="1"/>
+            <a:r>
+              <a:rPr dirty="0"/>
+              <a:t>Start the music and have the two Coders walk around the outside of the circle while the other players stand still. Make sure the Coders keep a little distance between them. You could have them start walking five paces from each other.</a:t>
+            </a:r>
+          </a:p>
+          <a:p>
+            <a:pPr lvl="1"/>
+            <a:r>
+              <a:rPr dirty="0"/>
+              <a:t>When you stop the music, the Coders attach the tags to the members of the circle they are standing closest to. Remember that tags must surround content.</a:t>
+            </a:r>
+          </a:p>
+          <a:p>
+            <a:pPr lvl="1"/>
+            <a:r>
+              <a:rPr dirty="0"/>
+              <a:t>Everyone who is standing in between the arrows of the open tag  and closed tag ; will now have to start clapping (the people wearing the tags, don’t have to). The clapping players should continue to clap for the rest of the game.</a:t>
+            </a:r>
+          </a:p>
+          <a:p>
+            <a:pPr lvl="1"/>
+            <a:r>
+              <a:rPr dirty="0"/>
+              <a:t>Now select two new tags and hand them to the Coders (for instance  and ).</a:t>
+            </a:r>
+          </a:p>
+          <a:p>
+            <a:pPr lvl="1"/>
+            <a:r>
+              <a:rPr dirty="0"/>
+              <a:t>Repeat steps 3 &amp; 4. This time, when the Coders hand over the tags, anyone who is between the  tags will have to sing. If any players are between both the  tags AND the  tags, then they will have to clap AND sing.</a:t>
+            </a:r>
+          </a:p>
+          <a:p>
+            <a:pPr lvl="1"/>
+            <a:r>
+              <a:rPr dirty="0"/>
+              <a:t>Continue these steps again with the rest of the tags (and any other tags you want to add the game) to make a fun, complicated tag dance party! When the Coders have the final tags, ask them to join the circle wherever they are once the music stops (instead of handing the tags to people in the circle). Everyone standing between the tags the Coders are holding performs the actions on their tags.</a:t>
+            </a:r>
+          </a:p>
+          <a:p>
+            <a:pPr lvl="1"/>
+            <a:r>
+              <a:rPr dirty="0"/>
+              <a:t>After all the tags have been used, you could have the players with tags move around one at a time to change up who is doing what. This will help </a:t>
+            </a:r>
+            <a:r>
+              <a:rPr dirty="0" err="1"/>
+              <a:t>help</a:t>
+            </a:r>
+            <a:r>
+              <a:rPr dirty="0"/>
+              <a:t> learners understand how tags are applied to content, how they open and close, in HTML.</a:t>
+            </a:r>
+          </a:p>
+          <a:p>
+            <a:pPr lvl="1"/>
+            <a:r>
+              <a:rPr dirty="0"/>
+              <a:t>Here in the real world, you have complete freedom to make their own tags names– later we’ll see that in the coding language HTML, we use a restricted set of tags names that everyone agrees upon, that make sense for web content. But for now, make up whatever tag you want.</a:t>
+            </a:r>
+          </a:p>
+        </p:txBody>
+      </p:sp>
+    </p:spTree>
+  </p:cSld>
+  <p:clrMapOvr>
+    <a:masterClrMapping/>
+  </p:clrMapOvr>
+  <mc:AlternateContent xmlns:mc="http://schemas.openxmlformats.org/markup-compatibility/2006" xmlns:p14="http://schemas.microsoft.com/office/powerpoint/2010/main">
+    <mc:Choice Requires="p14">
+      <p:transition spd="med" p14:dur="700">
+        <p:fade/>
+      </p:transition>
+    </mc:Choice>
+    <mc:Fallback xmlns="">
+      <p:transition spd="med">
+        <p:fade/>
+      </p:transition>
+    </mc:Fallback>
+  </mc:AlternateContent>
+  <p:timing>
+    <p:tnLst>
+      <p:par>
+        <p:cTn id="1" dur="indefinite" restart="never" nodeType="tmRoot"/>
+      </p:par>
+    </p:tnLst>
+  </p:timing>
+</p:sld>
+</file>
+
+<file path=ppt/slides/slide12.xml><?xml version="1.0" encoding="utf-8"?>
+<p:sld xmlns:a="http://schemas.openxmlformats.org/drawingml/2006/main" xmlns:r="http://schemas.openxmlformats.org/officeDocument/2006/relationships" xmlns:p="http://schemas.openxmlformats.org/presentationml/2006/main">
+  <p:cSld>
+    <p:spTree>
+      <p:nvGrpSpPr>
+        <p:cNvPr id="1" name=""/>
+        <p:cNvGrpSpPr/>
+        <p:nvPr/>
+      </p:nvGrpSpPr>
+      <p:grpSpPr>
+        <a:xfrm>
+          <a:off x="0" y="0"/>
+          <a:ext cx="0" cy="0"/>
+          <a:chOff x="0" y="0"/>
+          <a:chExt cx="0" cy="0"/>
+        </a:xfrm>
+      </p:grpSpPr>
+      <p:sp>
+        <p:nvSpPr>
+          <p:cNvPr id="2" name="Title 1"/>
+          <p:cNvSpPr>
+            <a:spLocks noGrp="1"/>
+          </p:cNvSpPr>
+          <p:nvPr>
+            <p:ph type="title"/>
+          </p:nvPr>
+        </p:nvSpPr>
+        <p:spPr/>
+        <p:txBody>
+          <a:bodyPr/>
+          <a:lstStyle/>
+          <a:p>
+            <a:r>
+              <a:rPr lang="en-GB" dirty="0" smtClean="0"/>
+              <a:t>Lets look at some webpages (then press </a:t>
+            </a:r>
+            <a:r>
+              <a:rPr lang="en-GB" dirty="0" err="1" smtClean="0"/>
+              <a:t>ctrl+u</a:t>
+            </a:r>
+            <a:r>
+              <a:rPr lang="en-GB" dirty="0"/>
+              <a:t>)</a:t>
+            </a:r>
+          </a:p>
+        </p:txBody>
+      </p:sp>
+      <p:sp>
+        <p:nvSpPr>
+          <p:cNvPr id="3" name="Content Placeholder 2"/>
+          <p:cNvSpPr>
+            <a:spLocks noGrp="1"/>
+          </p:cNvSpPr>
+          <p:nvPr>
+            <p:ph idx="1"/>
+          </p:nvPr>
+        </p:nvSpPr>
+        <p:spPr/>
+        <p:txBody>
+          <a:bodyPr/>
+          <a:lstStyle/>
+          <a:p>
+            <a:r>
+              <a:rPr lang="en-GB" dirty="0" smtClean="0"/>
+              <a:t>Very simple </a:t>
+            </a:r>
+            <a:r>
+              <a:rPr lang="en-GB" dirty="0" smtClean="0">
+                <a:hlinkClick r:id="rId2"/>
+              </a:rPr>
+              <a:t>http://utcsheffield.github.io/utc-sheffield/</a:t>
+            </a:r>
+            <a:endParaRPr lang="en-GB" dirty="0" smtClean="0"/>
+          </a:p>
+          <a:p>
+            <a:r>
+              <a:rPr lang="en-GB" dirty="0" smtClean="0"/>
+              <a:t>More complex </a:t>
+            </a:r>
+            <a:r>
+              <a:rPr lang="en-GB" dirty="0">
+                <a:hlinkClick r:id="rId3"/>
+              </a:rPr>
+              <a:t>Amazon.co.uk: Low Prices in Electronics, Books, Sports Equipment &amp; more</a:t>
+            </a:r>
+            <a:endParaRPr lang="en-GB" dirty="0"/>
+          </a:p>
+          <a:p>
+            <a:endParaRPr lang="en-GB" dirty="0"/>
+          </a:p>
+        </p:txBody>
+      </p:sp>
+    </p:spTree>
+    <p:extLst>
+      <p:ext uri="{BB962C8B-B14F-4D97-AF65-F5344CB8AC3E}">
+        <p14:creationId xmlns:p14="http://schemas.microsoft.com/office/powerpoint/2010/main" val="198261763"/>
+      </p:ext>
+    </p:extLst>
+  </p:cSld>
+  <p:clrMapOvr>
+    <a:masterClrMapping/>
+  </p:clrMapOvr>
+  <p:timing>
+    <p:tnLst>
+      <p:par>
+        <p:cTn id="1" dur="indefinite" restart="never" nodeType="tmRoot"/>
+      </p:par>
+    </p:tnLst>
+  </p:timing>
+</p:sld>
+</file>
+
+<file path=ppt/slides/slide13.xml><?xml version="1.0" encoding="utf-8"?>
+<p:sld xmlns:a="http://schemas.openxmlformats.org/drawingml/2006/main" xmlns:r="http://schemas.openxmlformats.org/officeDocument/2006/relationships" xmlns:p="http://schemas.openxmlformats.org/presentationml/2006/main">
+  <p:cSld>
+    <p:spTree>
+      <p:nvGrpSpPr>
+        <p:cNvPr id="1" name=""/>
+        <p:cNvGrpSpPr/>
+        <p:nvPr/>
+      </p:nvGrpSpPr>
+      <p:grpSpPr>
+        <a:xfrm>
+          <a:off x="0" y="0"/>
+          <a:ext cx="0" cy="0"/>
+          <a:chOff x="0" y="0"/>
+          <a:chExt cx="0" cy="0"/>
+        </a:xfrm>
+      </p:grpSpPr>
+      <p:sp>
+        <p:nvSpPr>
+          <p:cNvPr id="2" name="Title 1"/>
+          <p:cNvSpPr>
+            <a:spLocks noGrp="1"/>
+          </p:cNvSpPr>
+          <p:nvPr>
+            <p:ph type="title"/>
+          </p:nvPr>
+        </p:nvSpPr>
+        <p:spPr/>
+        <p:txBody>
+          <a:bodyPr/>
+          <a:lstStyle/>
+          <a:p>
+            <a:r>
+              <a:rPr/>
+              <a:t>Tags In Action</a:t>
+            </a:r>
+          </a:p>
+        </p:txBody>
+      </p:sp>
+      <p:sp>
+        <p:nvSpPr>
+          <p:cNvPr id="3" name="Content Placeholder 2"/>
+          <p:cNvSpPr>
+            <a:spLocks noGrp="1"/>
+          </p:cNvSpPr>
+          <p:nvPr>
+            <p:ph idx="1"/>
+          </p:nvPr>
+        </p:nvSpPr>
+        <p:spPr/>
+        <p:txBody>
+          <a:bodyPr>
+            <a:normAutofit fontScale="92500" lnSpcReduction="20000"/>
+          </a:bodyPr>
+          <a:lstStyle/>
+          <a:p>
+            <a:pPr lvl="1"/>
+            <a:r>
+              <a:rPr lang="en-GB" sz="3200" dirty="0" smtClean="0"/>
+              <a:t>Use paper tags to mark up the article you have been given</a:t>
+            </a:r>
+          </a:p>
+          <a:p>
+            <a:pPr lvl="2"/>
+            <a:r>
+              <a:rPr lang="en-GB" sz="3200" dirty="0" smtClean="0"/>
+              <a:t>Keep it simple only use html, body, h1</a:t>
+            </a:r>
+            <a:r>
+              <a:rPr lang="en-GB" sz="3200" dirty="0"/>
+              <a:t>, h2, h3, p, a</a:t>
+            </a:r>
+            <a:r>
+              <a:rPr lang="en-GB" sz="3200" dirty="0" smtClean="0"/>
+              <a:t>, </a:t>
+            </a:r>
+            <a:r>
+              <a:rPr lang="en-GB" sz="3200" dirty="0" err="1" smtClean="0"/>
+              <a:t>img</a:t>
+            </a:r>
+            <a:endParaRPr lang="en-GB" sz="3200" dirty="0" smtClean="0"/>
+          </a:p>
+          <a:p>
+            <a:pPr lvl="2"/>
+            <a:endParaRPr lang="en-GB" sz="3200" dirty="0"/>
+          </a:p>
+          <a:p>
+            <a:pPr lvl="2"/>
+            <a:r>
+              <a:rPr lang="en-GB" sz="3200" dirty="0" smtClean="0"/>
+              <a:t>&lt;html&gt;</a:t>
+            </a:r>
+          </a:p>
+          <a:p>
+            <a:pPr lvl="2"/>
+            <a:r>
+              <a:rPr lang="en-GB" sz="3200" dirty="0" smtClean="0"/>
+              <a:t>&lt;/html&gt;  </a:t>
+            </a:r>
+          </a:p>
+          <a:p>
+            <a:pPr lvl="2"/>
+            <a:r>
+              <a:rPr lang="en-GB" sz="3200" dirty="0" smtClean="0"/>
+              <a:t>&lt;p&gt;  </a:t>
+            </a:r>
+          </a:p>
+          <a:p>
+            <a:pPr lvl="2"/>
+            <a:r>
+              <a:rPr lang="en-GB" sz="3200" dirty="0" smtClean="0"/>
+              <a:t>&lt;/p&gt; </a:t>
+            </a:r>
+            <a:endParaRPr sz="3200" dirty="0"/>
+          </a:p>
+        </p:txBody>
+      </p:sp>
+    </p:spTree>
+  </p:cSld>
+  <p:clrMapOvr>
+    <a:masterClrMapping/>
+  </p:clrMapOvr>
+  <mc:AlternateContent xmlns:mc="http://schemas.openxmlformats.org/markup-compatibility/2006" xmlns:p14="http://schemas.microsoft.com/office/powerpoint/2010/main">
+    <mc:Choice Requires="p14">
+      <p:transition spd="med" p14:dur="700">
+        <p:fade/>
+      </p:transition>
+    </mc:Choice>
+    <mc:Fallback xmlns="">
+      <p:transition spd="med">
+        <p:fade/>
+      </p:transition>
+    </mc:Fallback>
+  </mc:AlternateContent>
+  <p:timing>
+    <p:tnLst>
+      <p:par>
+        <p:cTn id="1" dur="indefinite" restart="never" nodeType="tmRoot"/>
+      </p:par>
+    </p:tnLst>
+  </p:timing>
+</p:sld>
+</file>
+
+<file path=ppt/slides/slide14.xml><?xml version="1.0" encoding="utf-8"?>
+<p:sld xmlns:a="http://schemas.openxmlformats.org/drawingml/2006/main" xmlns:r="http://schemas.openxmlformats.org/officeDocument/2006/relationships" xmlns:p="http://schemas.openxmlformats.org/presentationml/2006/main">
+  <p:cSld>
+    <p:spTree>
+      <p:nvGrpSpPr>
+        <p:cNvPr id="1" name=""/>
+        <p:cNvGrpSpPr/>
+        <p:nvPr/>
+      </p:nvGrpSpPr>
+      <p:grpSpPr>
+        <a:xfrm>
+          <a:off x="0" y="0"/>
+          <a:ext cx="0" cy="0"/>
+          <a:chOff x="0" y="0"/>
+          <a:chExt cx="0" cy="0"/>
+        </a:xfrm>
+      </p:grpSpPr>
+      <p:sp>
+        <p:nvSpPr>
+          <p:cNvPr id="2" name="Title 1"/>
+          <p:cNvSpPr>
+            <a:spLocks noGrp="1"/>
+          </p:cNvSpPr>
+          <p:nvPr>
+            <p:ph type="title"/>
+          </p:nvPr>
+        </p:nvSpPr>
+        <p:spPr/>
+        <p:txBody>
+          <a:bodyPr/>
+          <a:lstStyle/>
+          <a:p>
+            <a:r>
+              <a:rPr/>
+              <a:t>mozilla</a:t>
+            </a:r>
+          </a:p>
+        </p:txBody>
+      </p:sp>
+      <p:sp>
+        <p:nvSpPr>
+          <p:cNvPr id="3" name="Content Placeholder 2"/>
+          <p:cNvSpPr>
+            <a:spLocks noGrp="1"/>
+          </p:cNvSpPr>
+          <p:nvPr>
+            <p:ph idx="1"/>
+          </p:nvPr>
+        </p:nvSpPr>
+        <p:spPr/>
+        <p:txBody>
+          <a:bodyPr/>
+          <a:lstStyle/>
+          <a:p>
+            <a:pPr marL="0" indent="0">
+              <a:buNone/>
+            </a:pPr>
+            <a:r>
+              <a:rPr/>
+              <a:t>Mozilla is a global non-profit dedicated to putting you in control of your online experience and shaping the future of the web for the public good. Visit us at </a:t>
+            </a:r>
+            <a:r>
+              <a:rPr>
+                <a:hlinkClick r:id="rId2"/>
+              </a:rPr>
+              <a:t>mozilla.org</a:t>
+            </a:r>
+          </a:p>
+        </p:txBody>
+      </p:sp>
+    </p:spTree>
+  </p:cSld>
+  <p:clrMapOvr>
+    <a:masterClrMapping/>
+  </p:clrMapOvr>
+  <p:timing>
+    <p:tnLst>
+      <p:par>
+        <p:cTn id="1" dur="indefinite" restart="never" nodeType="tmRoot"/>
+      </p:par>
+    </p:tnLst>
+  </p:timing>
 </p:sld>
 </file>
 
@@ -6825,6 +7869,13 @@
   <p:clrMapOvr>
     <a:masterClrMapping/>
   </p:clrMapOvr>
+  <p:timing>
+    <p:tnLst>
+      <p:par>
+        <p:cTn id="1" dur="indefinite" restart="never" nodeType="tmRoot"/>
+      </p:par>
+    </p:tnLst>
+  </p:timing>
 </p:sld>
 </file>
 
@@ -6861,7 +7912,7 @@
           <a:lstStyle/>
           <a:p>
             <a:r>
-              <a:rPr/>
+              <a:rPr dirty="0"/>
               <a:t>Learning Objectives</a:t>
             </a:r>
           </a:p>
@@ -6884,22 +7935,52 @@
           <a:p>
             <a:pPr lvl="1"/>
             <a:r>
-              <a:rPr/>
+              <a:rPr sz="2400" dirty="0">
+                <a:latin typeface="+mn-lt"/>
+              </a:rPr>
               <a:t>Describe how HTML code is used to create web pages</a:t>
             </a:r>
           </a:p>
           <a:p>
             <a:pPr lvl="1"/>
             <a:r>
-              <a:rPr/>
+              <a:rPr sz="2400" dirty="0">
+                <a:latin typeface="+mn-lt"/>
+              </a:rPr>
               <a:t>Identify common HTML tags</a:t>
             </a:r>
           </a:p>
           <a:p>
             <a:pPr lvl="1"/>
             <a:r>
-              <a:rPr/>
-              <a:t>Create a text file that could be displayed as a web page using HTML tags</a:t>
+              <a:rPr sz="2400" dirty="0" err="1" smtClean="0">
+                <a:latin typeface="+mn-lt"/>
+              </a:rPr>
+              <a:t>Cre</a:t>
+            </a:r>
+            <a:r>
+              <a:rPr lang="en-GB" sz="2400" dirty="0" smtClean="0">
+                <a:latin typeface="+mn-lt"/>
+              </a:rPr>
+              <a:t>ate t</a:t>
+            </a:r>
+            <a:r>
+              <a:rPr sz="2400" dirty="0" err="1" smtClean="0">
+                <a:latin typeface="+mn-lt"/>
+              </a:rPr>
+              <a:t>ext</a:t>
+            </a:r>
+            <a:r>
+              <a:rPr sz="2400" dirty="0" smtClean="0">
+                <a:latin typeface="+mn-lt"/>
+              </a:rPr>
+              <a:t> that </a:t>
+            </a:r>
+            <a:r>
+              <a:rPr sz="2400" dirty="0">
+                <a:latin typeface="+mn-lt"/>
+              </a:rPr>
+              <a:t>could be displayed as a web page using HTML tags</a:t>
             </a:r>
           </a:p>
         </p:txBody>
@@ -6909,6 +7990,13 @@
   <p:clrMapOvr>
     <a:masterClrMapping/>
   </p:clrMapOvr>
+  <p:timing>
+    <p:tnLst>
+      <p:par>
+        <p:cTn id="1" dur="indefinite" restart="never" nodeType="tmRoot"/>
+      </p:par>
+    </p:tnLst>
+  </p:timing>
 </p:sld>
 </file>
 
@@ -6945,15 +8033,16 @@
           <a:lstStyle/>
           <a:p>
             <a:r>
-              <a:rPr/>
+              <a:rPr lang="en-GB" smtClean="0"/>
               <a:t>Introduction</a:t>
             </a:r>
+            <a:endParaRPr lang="en-GB"/>
           </a:p>
         </p:txBody>
       </p:sp>
       <p:sp>
         <p:nvSpPr>
-          <p:cNvPr id="3" name="Content Placeholder 2"/>
+          <p:cNvPr id="5" name="Content Placeholder 4"/>
           <p:cNvSpPr>
             <a:spLocks noGrp="1"/>
           </p:cNvSpPr>
@@ -6963,59 +8052,99 @@
         </p:nvSpPr>
         <p:spPr/>
         <p:txBody>
-          <a:bodyPr>
-            <a:normAutofit lnSpcReduction="10000"/>
-          </a:bodyPr>
+          <a:bodyPr/>
           <a:lstStyle/>
           <a:p>
+            <a:pPr indent="-228600"/>
+            <a:r>
+              <a:rPr lang="en-GB" sz="2000" dirty="0" smtClean="0">
+                <a:latin typeface="+mn-lt"/>
+              </a:rPr>
+              <a:t>The</a:t>
+            </a:r>
+            <a:r>
+              <a:rPr lang="en-GB" sz="2000" dirty="0">
+                <a:latin typeface="+mn-lt"/>
+              </a:rPr>
+              <a:t> Internet is a system of interconnected computers</a:t>
+            </a:r>
+          </a:p>
+          <a:p>
             <a:pPr lvl="1"/>
             <a:r>
-              <a:rPr/>
-              <a:t>Review core concepts, frame and connect this topic to a big idea. Explain:</a:t>
-            </a:r>
-          </a:p>
-          <a:p>
-            <a:pPr lvl="2"/>
-            <a:r>
-              <a:rPr/>
-              <a:t>The Internet is a system of interconnected computers, and the world wide web is a system of interconnected pages that lives on the Internet.</a:t>
-            </a:r>
-          </a:p>
-          <a:p>
-            <a:pPr lvl="2"/>
-            <a:r>
-              <a:rPr/>
-              <a:t>Web sites are spaces to access, share, and interact with multimedia content.</a:t>
-            </a:r>
-          </a:p>
-          <a:p>
-            <a:pPr lvl="2"/>
-            <a:r>
-              <a:rPr/>
-              <a:t>The people who build the web– web developers and designers– use a computer coding language called HyperText Markup Language or HTML to make web pages</a:t>
-            </a:r>
-          </a:p>
-          <a:p>
-            <a:pPr lvl="2"/>
-            <a:r>
-              <a:rPr/>
-              <a:t>When you access the web, you’re using a piece of software called a browser to display pages.</a:t>
-            </a:r>
-          </a:p>
-          <a:p>
-            <a:pPr marL="1270000" indent="0">
-              <a:buNone/>
-            </a:pPr>
-            <a:r>
-              <a:rPr sz="2000"/>
-              <a:t>Tip! Ask who knows some examples of web browsers.</a:t>
+              <a:rPr lang="en-GB" sz="2000" dirty="0">
+                <a:latin typeface="+mn-lt"/>
+              </a:rPr>
+              <a:t>World wide web is a system of interconnected pages that lives on the Internet. </a:t>
             </a:r>
           </a:p>
           <a:p>
             <a:pPr lvl="1"/>
             <a:r>
-              <a:rPr/>
-              <a:t>We’re going to explore HTML today, specifically how we use HTML to make our content – text, images, etc– readable by browsers and easy for humans to read and understand.</a:t>
+              <a:rPr lang="en-GB" sz="2000" dirty="0">
+                <a:latin typeface="+mn-lt"/>
+              </a:rPr>
+              <a:t>Web sites are spaces to access, share, and interact with multimedia content. </a:t>
+            </a:r>
+          </a:p>
+          <a:p>
+            <a:pPr lvl="1"/>
+            <a:r>
+              <a:rPr lang="en-GB" sz="2000" dirty="0" err="1">
+                <a:latin typeface="+mn-lt"/>
+              </a:rPr>
+              <a:t>HyperText</a:t>
+            </a:r>
+            <a:r>
+              <a:rPr lang="en-GB" sz="2000" dirty="0">
+                <a:latin typeface="+mn-lt"/>
+              </a:rPr>
+              <a:t> </a:t>
+            </a:r>
+            <a:r>
+              <a:rPr lang="en-GB" sz="2000" dirty="0" err="1">
+                <a:latin typeface="+mn-lt"/>
+              </a:rPr>
+              <a:t>Markup</a:t>
+            </a:r>
+            <a:r>
+              <a:rPr lang="en-GB" sz="2000" dirty="0">
+                <a:latin typeface="+mn-lt"/>
+              </a:rPr>
+              <a:t> Language or HTML is used to make web pages</a:t>
+            </a:r>
+          </a:p>
+          <a:p>
+            <a:pPr lvl="1"/>
+            <a:r>
+              <a:rPr lang="en-GB" sz="2000" dirty="0">
+                <a:latin typeface="+mn-lt"/>
+              </a:rPr>
+              <a:t>Access the web, you’re using a piece of software called a browser to display pages.</a:t>
+            </a:r>
+          </a:p>
+          <a:p>
+            <a:r>
+              <a:rPr lang="en-GB" sz="2000" dirty="0">
+                <a:latin typeface="+mn-lt"/>
+              </a:rPr>
+              <a:t>We’re going to explore HTML today, specifically how we use HTML to make our content – text, images, </a:t>
+            </a:r>
+            <a:r>
+              <a:rPr lang="en-GB" sz="2000" dirty="0" err="1">
+                <a:latin typeface="+mn-lt"/>
+              </a:rPr>
+              <a:t>etc</a:t>
+            </a:r>
+            <a:r>
+              <a:rPr lang="en-GB" sz="2000" dirty="0">
+                <a:latin typeface="+mn-lt"/>
+              </a:rPr>
+              <a:t>– readable by </a:t>
+            </a:r>
+            <a:r>
+              <a:rPr lang="en-GB" dirty="0"/>
+              <a:t>browsers and easy for humans to read and understand.</a:t>
             </a:r>
           </a:p>
         </p:txBody>
@@ -7025,11 +8154,18 @@
   <p:clrMapOvr>
     <a:masterClrMapping/>
   </p:clrMapOvr>
+  <p:timing>
+    <p:tnLst>
+      <p:par>
+        <p:cTn id="1" dur="indefinite" restart="never" nodeType="tmRoot"/>
+      </p:par>
+    </p:tnLst>
+  </p:timing>
 </p:sld>
 </file>
 
 <file path=ppt/slides/slide5.xml><?xml version="1.0" encoding="utf-8"?>
-<p:sld xmlns:a="http://schemas.openxmlformats.org/drawingml/2006/main" xmlns:r="http://schemas.openxmlformats.org/officeDocument/2006/relationships" xmlns:p="http://schemas.openxmlformats.org/presentationml/2006/main">
+<p:sld xmlns:a="http://schemas.openxmlformats.org/drawingml/2006/main" xmlns:r="http://schemas.openxmlformats.org/officeDocument/2006/relationships" xmlns:p="http://schemas.openxmlformats.org/presentationml/2006/main" show="0">
   <p:cSld>
     <p:spTree>
       <p:nvGrpSpPr>
@@ -7284,6 +8420,18 @@
   <p:clrMapOvr>
     <a:masterClrMapping/>
   </p:clrMapOvr>
+  <mc:AlternateContent xmlns:mc="http://schemas.openxmlformats.org/markup-compatibility/2006" xmlns:p14="http://schemas.microsoft.com/office/powerpoint/2010/main">
+    <mc:Choice Requires="p14">
+      <p:transition spd="med" p14:dur="700">
+        <p:fade/>
+      </p:transition>
+    </mc:Choice>
+    <mc:Fallback xmlns="">
+      <p:transition spd="med">
+        <p:fade/>
+      </p:transition>
+    </mc:Fallback>
+  </mc:AlternateContent>
 </p:sld>
 </file>
 
@@ -7319,10 +8467,7 @@
           <a:bodyPr/>
           <a:lstStyle/>
           <a:p>
-            <a:r>
-              <a:rPr/>
-              <a:t>Offline: Tag The World</a:t>
-            </a:r>
+            <a:endParaRPr lang="en-GB"/>
           </a:p>
         </p:txBody>
       </p:sp>
@@ -7338,95 +8483,506 @@
         </p:nvSpPr>
         <p:spPr/>
         <p:txBody>
-          <a:bodyPr>
-            <a:normAutofit fontScale="55000" lnSpcReduction="20000"/>
-          </a:bodyPr>
+          <a:bodyPr/>
           <a:lstStyle/>
           <a:p>
-            <a:pPr marL="1270000" indent="0">
-              <a:buNone/>
-            </a:pPr>
-            <a:r>
-              <a:rPr sz="2000"/>
-              <a:t>Tip! If your learners seem comfortable with the concept of opening and closing tags (or you are pressed for time), you can skip this and move on to the next section. If they need more time with this concept, do Tag the World.</a:t>
-            </a:r>
-          </a:p>
-          <a:p>
-            <a:pPr lvl="1"/>
-            <a:r>
-              <a:rPr/>
-              <a:t>Introduction: Explain to participants that they are going to experiment with making tags and assigning tags to real-world stuff in the room. Hand out sheets of paper, markers, and scotch tape. Explain that this is an exercise to show the CONCEPT of tagging, and opening and closing tags.</a:t>
-            </a:r>
-          </a:p>
-          <a:p>
-            <a:pPr lvl="1"/>
-            <a:r>
-              <a:rPr/>
-              <a:t>Here in the real world, you have complete freedom to make their own tags names– later we’ll see that in the coding language HTML, we use a restricted set of tags names that everyone agrees upon. But for now, make up whatever tag you want.</a:t>
-            </a:r>
-          </a:p>
-          <a:p>
-            <a:pPr marL="1270000" indent="0">
-              <a:buNone/>
-            </a:pPr>
-            <a:r>
-              <a:rPr sz="2000"/>
-              <a:t>Tip! Write the following example in large letters on the board, or create a slide to show it. Take your time with this content, and make sure everyone is clear on it– it’s important!</a:t>
-            </a:r>
-          </a:p>
-          <a:p>
-            <a:pPr lvl="1"/>
-            <a:r>
-              <a:rPr/>
-              <a:t>Review the rules for tagging:</a:t>
-            </a:r>
-          </a:p>
-          <a:p>
-            <a:pPr lvl="1"/>
-            <a:r>
-              <a:rPr/>
-              <a:t>When we want to tag some content, we surround it with a matching pair of words, each word surrounded by a set of brackets “&lt; &gt;”. Here’s an example tag:</a:t>
-            </a:r>
-          </a:p>
-          <a:p>
-            <a:pPr lvl="2">
-              <a:buNone/>
-            </a:pPr>
-            <a:r>
-              <a:rPr/>
-              <a:t>Tag the World</a:t>
-            </a:r>
-          </a:p>
-          <a:p>
-            <a:pPr lvl="1"/>
-            <a:r>
-              <a:rPr/>
-              <a:t>We ALWAYS use opening and closing tags to surround content.</a:t>
-            </a:r>
-          </a:p>
-          <a:p>
-            <a:pPr lvl="1"/>
-            <a:r>
-              <a:rPr/>
-              <a:t>You can tag anything in the room– make your own tags and hang them up!</a:t>
-            </a:r>
-          </a:p>
-          <a:p>
-            <a:pPr marL="1270000" indent="0">
-              <a:buNone/>
-            </a:pPr>
-            <a:r>
-              <a:rPr sz="2000"/>
-              <a:t>Tip! To get learners started, create a sample tag and put it up in the room–   for example. Encourage people to have fun, and be creative!</a:t>
-            </a:r>
+            <a:r>
+              <a:rPr lang="en-GB" sz="1100" dirty="0">
+                <a:latin typeface="+mn-lt"/>
+              </a:rPr>
+              <a:t>The Times</a:t>
+            </a:r>
+          </a:p>
+          <a:p>
+            <a:r>
+              <a:rPr lang="en-GB" sz="1100" dirty="0" smtClean="0">
+                <a:latin typeface="+mn-lt"/>
+              </a:rPr>
+              <a:t>NHS</a:t>
+            </a:r>
+            <a:r>
+              <a:rPr lang="en-GB" sz="1100" dirty="0">
+                <a:latin typeface="+mn-lt"/>
+              </a:rPr>
+              <a:t> must justify its £270,000 pay deals, says care minister</a:t>
+            </a:r>
+          </a:p>
+          <a:p>
+            <a:r>
+              <a:rPr lang="en-GB" sz="1100" dirty="0" smtClean="0">
+                <a:latin typeface="+mn-lt"/>
+              </a:rPr>
+              <a:t>Chris</a:t>
+            </a:r>
+            <a:r>
+              <a:rPr lang="en-GB" sz="1100" dirty="0">
+                <a:latin typeface="+mn-lt"/>
+              </a:rPr>
+              <a:t> Smyth, Whitehall Editor</a:t>
+            </a:r>
+          </a:p>
+          <a:p>
+            <a:r>
+              <a:rPr lang="en-GB" sz="1100" dirty="0" smtClean="0">
+                <a:latin typeface="+mn-lt"/>
+              </a:rPr>
+              <a:t>The</a:t>
+            </a:r>
+            <a:r>
+              <a:rPr lang="en-GB" sz="1100" dirty="0">
+                <a:latin typeface="+mn-lt"/>
+              </a:rPr>
+              <a:t> NHS must explain the “exceptionally high levels of pay” given to senior managers, the care minister has said.</a:t>
+            </a:r>
+          </a:p>
+          <a:p>
+            <a:r>
+              <a:rPr lang="en-GB" sz="1100" dirty="0" smtClean="0">
+                <a:latin typeface="+mn-lt"/>
+              </a:rPr>
+              <a:t>Helen</a:t>
+            </a:r>
+            <a:r>
+              <a:rPr lang="en-GB" sz="1100" dirty="0">
+                <a:latin typeface="+mn-lt"/>
+              </a:rPr>
+              <a:t> </a:t>
+            </a:r>
+            <a:r>
+              <a:rPr lang="en-GB" sz="1100" dirty="0" err="1">
+                <a:latin typeface="+mn-lt"/>
+              </a:rPr>
+              <a:t>Whately</a:t>
+            </a:r>
+            <a:r>
+              <a:rPr lang="en-GB" sz="1100" dirty="0">
+                <a:latin typeface="+mn-lt"/>
+              </a:rPr>
+              <a:t> outlined her concerns after it emerged that the health service was hiring dozens of senior managers on salaries of up to £270,000, at a time when the government has announced billions more in funding to help it tackle backlogs.</a:t>
+            </a:r>
+          </a:p>
+          <a:p>
+            <a:r>
+              <a:rPr lang="en-GB" sz="1100" dirty="0" smtClean="0">
+                <a:latin typeface="+mn-lt"/>
+              </a:rPr>
+              <a:t>Conservative</a:t>
+            </a:r>
+            <a:r>
+              <a:rPr lang="en-GB" sz="1100" dirty="0">
+                <a:latin typeface="+mn-lt"/>
+              </a:rPr>
+              <a:t> MPs said yesterday that ministers were “throwing other people’s money down a bottomless pit” and that a £12-billion-per-year package was at risk of being swallowed by an NHS “black hole”.</a:t>
+            </a:r>
+          </a:p>
+          <a:p>
+            <a:r>
+              <a:rPr lang="en-GB" sz="1100" dirty="0" smtClean="0">
+                <a:latin typeface="+mn-lt"/>
+              </a:rPr>
+              <a:t>At</a:t>
+            </a:r>
+            <a:r>
+              <a:rPr lang="en-GB" sz="1100" dirty="0">
+                <a:latin typeface="+mn-lt"/>
+              </a:rPr>
+              <a:t> the debate on the health and social care levy several Tory MPs urged the government to set clearer targets for the NHS</a:t>
+            </a:r>
+          </a:p>
+          <a:p>
+            <a:r>
+              <a:rPr lang="en-GB" sz="1100" dirty="0">
+                <a:latin typeface="+mn-lt"/>
+              </a:rPr>
+              <a:t>At the debate on the health and social care levy several Tory MPs urged the government to set clearer targets for the NHS</a:t>
+            </a:r>
+          </a:p>
+          <a:p>
+            <a:r>
+              <a:rPr lang="en-GB" sz="1100" dirty="0">
+                <a:latin typeface="+mn-lt"/>
+              </a:rPr>
+              <a:t>UK PARLIAMENT/JESSICA TAYLOR/PA</a:t>
+            </a:r>
+          </a:p>
+          <a:p>
+            <a:r>
+              <a:rPr lang="en-GB" sz="1100" dirty="0">
+                <a:latin typeface="+mn-lt"/>
+              </a:rPr>
+              <a:t>Asked on Times Radio about the jobs with salaries of up to £270,000, </a:t>
+            </a:r>
+            <a:r>
+              <a:rPr lang="en-GB" sz="1100" dirty="0" err="1">
+                <a:latin typeface="+mn-lt"/>
+              </a:rPr>
+              <a:t>Whately</a:t>
+            </a:r>
+            <a:r>
+              <a:rPr lang="en-GB" sz="1100" dirty="0">
+                <a:latin typeface="+mn-lt"/>
+              </a:rPr>
+              <a:t> said: “It’s clearly a big number. I am concerned when I see — and I get briefings on — exceptionally</a:t>
+            </a:r>
+          </a:p>
+          <a:p>
+            <a:r>
+              <a:rPr lang="en-GB" sz="1100" dirty="0" smtClean="0">
+                <a:latin typeface="+mn-lt"/>
+              </a:rPr>
+              <a:t>KPMG</a:t>
+            </a:r>
+            <a:r>
+              <a:rPr lang="en-GB" sz="1100" dirty="0">
+                <a:latin typeface="+mn-lt"/>
+              </a:rPr>
+              <a:t> aims for a third of its staff to be working class</a:t>
+            </a:r>
+          </a:p>
+          <a:p>
+            <a:r>
+              <a:rPr lang="en-GB" sz="1100" dirty="0">
+                <a:latin typeface="+mn-lt"/>
+              </a:rPr>
+              <a:t>Louisa Clarence-Smith, Chief Business Correspondent</a:t>
+            </a:r>
+          </a:p>
+          <a:p>
+            <a:r>
+              <a:rPr lang="en-GB" sz="1100" dirty="0" smtClean="0">
+                <a:latin typeface="+mn-lt"/>
+              </a:rPr>
+              <a:t>All</a:t>
+            </a:r>
+            <a:r>
+              <a:rPr lang="en-GB" sz="1100" dirty="0">
+                <a:latin typeface="+mn-lt"/>
+              </a:rPr>
+              <a:t> staff at the accounting firm will receive training on “invisible barriers” that exist for certain groups of workers</a:t>
+            </a:r>
+          </a:p>
+          <a:p>
+            <a:r>
+              <a:rPr lang="en-GB" sz="1100" dirty="0">
+                <a:latin typeface="+mn-lt"/>
+              </a:rPr>
+              <a:t>All staff at the accounting firm will receive training on “invisible barriers” that exist for certain groups of workers</a:t>
+            </a:r>
+          </a:p>
+          <a:p>
+            <a:r>
+              <a:rPr lang="en-GB" sz="1100" dirty="0">
+                <a:latin typeface="+mn-lt"/>
+              </a:rPr>
+              <a:t>ALAMY</a:t>
+            </a:r>
+          </a:p>
+          <a:p>
+            <a:r>
+              <a:rPr lang="en-GB" sz="1100" dirty="0">
+                <a:latin typeface="+mn-lt"/>
+              </a:rPr>
+              <a:t>The accounting and consulting firm KPMG has become the first big business in Britain to set a target for the number of working-class staff.</a:t>
+            </a:r>
+          </a:p>
+          <a:p>
+            <a:r>
+              <a:rPr lang="en-GB" sz="1100" dirty="0" smtClean="0">
+                <a:latin typeface="+mn-lt"/>
+              </a:rPr>
+              <a:t>It</a:t>
+            </a:r>
+            <a:r>
+              <a:rPr lang="en-GB" sz="1100" dirty="0">
+                <a:latin typeface="+mn-lt"/>
+              </a:rPr>
+              <a:t> is aiming for 29 per cent of its partners and directors to come from the social group by 2030. It defined working class as having parents with “routine and manual” jobs, such as plumbers, electricians, butchers and van drivers.</a:t>
+            </a:r>
+          </a:p>
+          <a:p>
+            <a:r>
+              <a:rPr lang="en-GB" sz="1100" dirty="0" smtClean="0">
+                <a:latin typeface="+mn-lt"/>
+              </a:rPr>
+              <a:t>All</a:t>
+            </a:r>
+            <a:r>
+              <a:rPr lang="en-GB" sz="1100" dirty="0">
+                <a:latin typeface="+mn-lt"/>
+              </a:rPr>
+              <a:t> its 16,000 employees will receive training on “invisible barriers” that exist for people from lower socio-economic backgrounds. The firm said that 23 per cent of its 582 partners and 20 per cent of its 1,297 directors were from working-class backgrounds. Those from such backgrounds were typically paid 8.6 per cent less than those whose parents worked in “higher managerial, administrative</a:t>
+            </a:r>
+          </a:p>
+          <a:p>
+            <a:r>
+              <a:rPr lang="en-GB" sz="1100" dirty="0" smtClean="0">
+                <a:latin typeface="+mn-lt"/>
+              </a:rPr>
+              <a:t>French</a:t>
+            </a:r>
+            <a:r>
+              <a:rPr lang="en-GB" sz="1100" dirty="0">
+                <a:latin typeface="+mn-lt"/>
+              </a:rPr>
+              <a:t> accuse </a:t>
+            </a:r>
+            <a:r>
+              <a:rPr lang="en-GB" sz="1100" dirty="0" err="1">
+                <a:latin typeface="+mn-lt"/>
+              </a:rPr>
+              <a:t>Priti</a:t>
+            </a:r>
+            <a:r>
+              <a:rPr lang="en-GB" sz="1100" dirty="0">
+                <a:latin typeface="+mn-lt"/>
+              </a:rPr>
+              <a:t> Patel of ‘blackmail’ on Channel migrants</a:t>
+            </a:r>
+          </a:p>
+          <a:p>
+            <a:r>
+              <a:rPr lang="en-GB" sz="1100" dirty="0">
+                <a:latin typeface="+mn-lt"/>
+              </a:rPr>
+              <a:t>Rift deepens over threats to block boats and withhold money</a:t>
+            </a:r>
+          </a:p>
+          <a:p>
+            <a:r>
+              <a:rPr lang="en-GB" sz="1100" dirty="0" smtClean="0">
+                <a:latin typeface="+mn-lt"/>
+              </a:rPr>
+              <a:t>Matt</a:t>
+            </a:r>
+            <a:r>
+              <a:rPr lang="en-GB" sz="1100" dirty="0">
+                <a:latin typeface="+mn-lt"/>
+              </a:rPr>
+              <a:t> </a:t>
+            </a:r>
+            <a:r>
+              <a:rPr lang="en-GB" sz="1100" dirty="0" err="1">
+                <a:latin typeface="+mn-lt"/>
+              </a:rPr>
+              <a:t>Dathan</a:t>
+            </a:r>
+            <a:r>
+              <a:rPr lang="en-GB" sz="1100" dirty="0">
+                <a:latin typeface="+mn-lt"/>
+              </a:rPr>
+              <a:t>, Home Affairs Editor | Adam Sage | Steven </a:t>
+            </a:r>
+            <a:r>
+              <a:rPr lang="en-GB" sz="1100" dirty="0" err="1">
+                <a:latin typeface="+mn-lt"/>
+              </a:rPr>
+              <a:t>Swinford</a:t>
+            </a:r>
+            <a:r>
+              <a:rPr lang="en-GB" sz="1100" dirty="0">
+                <a:latin typeface="+mn-lt"/>
+              </a:rPr>
+              <a:t>, Political Editor | </a:t>
+            </a:r>
+            <a:r>
+              <a:rPr lang="en-GB" sz="1100" dirty="0" err="1">
+                <a:latin typeface="+mn-lt"/>
+              </a:rPr>
+              <a:t>Eleni</a:t>
+            </a:r>
+            <a:r>
+              <a:rPr lang="en-GB" sz="1100" dirty="0">
+                <a:latin typeface="+mn-lt"/>
+              </a:rPr>
+              <a:t> </a:t>
+            </a:r>
+            <a:r>
+              <a:rPr lang="en-GB" sz="1100" dirty="0" err="1" smtClean="0">
+                <a:latin typeface="+mn-lt"/>
+              </a:rPr>
+              <a:t>Courea</a:t>
+            </a:r>
+            <a:r>
+              <a:rPr lang="en-GB" sz="1100" dirty="0">
+                <a:latin typeface="+mn-lt"/>
+              </a:rPr>
+              <a:t/>
+            </a:r>
+            <a:br>
+              <a:rPr lang="en-GB" sz="1100" dirty="0">
+                <a:latin typeface="+mn-lt"/>
+              </a:rPr>
+            </a:br>
+            <a:r>
+              <a:rPr lang="en-GB" sz="1100" dirty="0">
+                <a:latin typeface="+mn-lt"/>
+              </a:rPr>
+              <a:t>A child is helped ashore from the Border Force boat BF Hurricane in Dover yesterday</a:t>
+            </a:r>
+          </a:p>
+          <a:p>
+            <a:r>
+              <a:rPr lang="en-GB" sz="1100" dirty="0">
+                <a:latin typeface="+mn-lt"/>
+              </a:rPr>
+              <a:t>A child is helped ashore from the Border Force boat BF Hurricane in Dover yesterday</a:t>
+            </a:r>
+          </a:p>
+          <a:p>
+            <a:r>
+              <a:rPr lang="en-GB" sz="1100" dirty="0">
+                <a:latin typeface="+mn-lt"/>
+              </a:rPr>
+              <a:t>PETER NICHOLLS/REUTERS</a:t>
+            </a:r>
+          </a:p>
+          <a:p>
+            <a:r>
+              <a:rPr lang="en-GB" sz="1100" dirty="0">
+                <a:latin typeface="+mn-lt"/>
+              </a:rPr>
+              <a:t>France has accused Britain of “financial blackmail” over the migrant crisis as a diplomatic rift between the countries deepens.</a:t>
+            </a:r>
+          </a:p>
+          <a:p>
+            <a:r>
+              <a:rPr lang="en-GB" sz="1100" dirty="0" err="1" smtClean="0">
+                <a:latin typeface="+mn-lt"/>
+              </a:rPr>
+              <a:t>Gérald</a:t>
+            </a:r>
+            <a:r>
+              <a:rPr lang="en-GB" sz="1100" dirty="0">
+                <a:latin typeface="+mn-lt"/>
+              </a:rPr>
+              <a:t> </a:t>
+            </a:r>
+            <a:r>
+              <a:rPr lang="en-GB" sz="1100" dirty="0" err="1">
+                <a:latin typeface="+mn-lt"/>
+              </a:rPr>
+              <a:t>Darmanin</a:t>
+            </a:r>
+            <a:r>
+              <a:rPr lang="en-GB" sz="1100" dirty="0">
+                <a:latin typeface="+mn-lt"/>
+              </a:rPr>
+              <a:t>, the French interior minister, publicly rebuked his counterpart </a:t>
+            </a:r>
+            <a:r>
+              <a:rPr lang="en-GB" sz="1100" dirty="0" err="1">
+                <a:latin typeface="+mn-lt"/>
+              </a:rPr>
+              <a:t>Priti</a:t>
+            </a:r>
+            <a:r>
+              <a:rPr lang="en-GB" sz="1100" dirty="0">
+                <a:latin typeface="+mn-lt"/>
+              </a:rPr>
+              <a:t> Patel this morning, referencing her threat to withhold £54 million from France if Channel crossings continue to escalate.</a:t>
+            </a:r>
+          </a:p>
+          <a:p>
+            <a:r>
+              <a:rPr lang="en-GB" sz="1100" dirty="0" err="1" smtClean="0">
+                <a:latin typeface="+mn-lt"/>
+              </a:rPr>
+              <a:t>Darminin</a:t>
+            </a:r>
+            <a:r>
+              <a:rPr lang="en-GB" sz="1100" dirty="0">
+                <a:latin typeface="+mn-lt"/>
+              </a:rPr>
+              <a:t> and Patel met in London yesterday for what were described in Paris as “very tense” talks over British demands for French police to stop more boats. She has offered to pay £54 million to France to double their patrols of the shoreline but threatened to withhold this if the country’s authorities fail to hit a rate of 75 per cent.</a:t>
+            </a:r>
+          </a:p>
+          <a:p>
+            <a:r>
+              <a:rPr lang="en-GB" sz="1100" dirty="0" smtClean="0">
+                <a:latin typeface="+mn-lt"/>
+              </a:rPr>
+              <a:t>“</a:t>
+            </a:r>
+            <a:r>
+              <a:rPr lang="en-GB" sz="1100" dirty="0">
+                <a:latin typeface="+mn-lt"/>
+              </a:rPr>
+              <a:t>France will not accept any practices that are contrary to maritime law, nor any financial blackmail,”</a:t>
+            </a:r>
+          </a:p>
+          <a:p>
+            <a:r>
+              <a:rPr lang="en-GB" sz="1100" dirty="0">
+                <a:latin typeface="+mn-lt"/>
+              </a:rPr>
+              <a:t/>
+            </a:r>
+            <a:br>
+              <a:rPr lang="en-GB" sz="1100" dirty="0">
+                <a:latin typeface="+mn-lt"/>
+              </a:rPr>
+            </a:br>
+            <a:r>
+              <a:rPr lang="en-GB" sz="1100" dirty="0">
+                <a:latin typeface="+mn-lt"/>
+              </a:rPr>
+              <a:t/>
+            </a:r>
+            <a:br>
+              <a:rPr lang="en-GB" sz="1100" dirty="0">
+                <a:latin typeface="+mn-lt"/>
+              </a:rPr>
+            </a:br>
+            <a:r>
+              <a:rPr lang="en-GB" sz="1100" dirty="0">
+                <a:latin typeface="+mn-lt"/>
+              </a:rPr>
+              <a:t/>
+            </a:r>
+            <a:br>
+              <a:rPr lang="en-GB" sz="1100" dirty="0">
+                <a:latin typeface="+mn-lt"/>
+              </a:rPr>
+            </a:br>
+            <a:r>
+              <a:rPr lang="en-GB" sz="1100" dirty="0">
+                <a:latin typeface="+mn-lt"/>
+              </a:rPr>
+              <a:t/>
+            </a:r>
+            <a:br>
+              <a:rPr lang="en-GB" sz="1100" dirty="0">
+                <a:latin typeface="+mn-lt"/>
+              </a:rPr>
+            </a:br>
+            <a:endParaRPr lang="en-GB" sz="1100" dirty="0">
+              <a:latin typeface="+mn-lt"/>
+            </a:endParaRPr>
+          </a:p>
+          <a:p>
+            <a:endParaRPr lang="en-GB" sz="1100" dirty="0">
+              <a:latin typeface="+mn-lt"/>
+            </a:endParaRPr>
           </a:p>
         </p:txBody>
       </p:sp>
     </p:spTree>
+    <p:extLst>
+      <p:ext uri="{BB962C8B-B14F-4D97-AF65-F5344CB8AC3E}">
+        <p14:creationId xmlns:p14="http://schemas.microsoft.com/office/powerpoint/2010/main" val="1794697884"/>
+      </p:ext>
+    </p:extLst>
   </p:cSld>
   <p:clrMapOvr>
     <a:masterClrMapping/>
   </p:clrMapOvr>
+  <p:timing>
+    <p:tnLst>
+      <p:par>
+        <p:cTn id="1" dur="indefinite" restart="never" nodeType="tmRoot"/>
+      </p:par>
+    </p:tnLst>
+  </p:timing>
 </p:sld>
 </file>
 
@@ -7463,9 +9019,10 @@
           <a:lstStyle/>
           <a:p>
             <a:r>
-              <a:rPr/>
-              <a:t>Offline: Tag Tag Revolution</a:t>
-            </a:r>
+              <a:rPr lang="en-GB" dirty="0" smtClean="0"/>
+              <a:t>Compare The Times</a:t>
+            </a:r>
+            <a:endParaRPr lang="en-GB" dirty="0"/>
           </a:p>
         </p:txBody>
       </p:sp>
@@ -7481,110 +9038,67 @@
         </p:nvSpPr>
         <p:spPr/>
         <p:txBody>
-          <a:bodyPr>
-            <a:normAutofit fontScale="40000" lnSpcReduction="20000"/>
-          </a:bodyPr>
+          <a:bodyPr/>
           <a:lstStyle/>
           <a:p>
-            <a:pPr lvl="1"/>
-            <a:r>
-              <a:rPr/>
-              <a:t>Introduction: Explain to participants that they are about to have a fun dance party to show them how HTML tags assign instructions to content.</a:t>
-            </a:r>
-          </a:p>
-          <a:p>
-            <a:pPr lvl="1"/>
-            <a:r>
-              <a:rPr/>
-              <a:t>Steps:</a:t>
-            </a:r>
-          </a:p>
-          <a:p>
-            <a:pPr lvl="1"/>
-            <a:r>
-              <a:rPr/>
-              <a:t>Arrange the players into a circle, making sure there is enough room to walk around the outside of the circle.</a:t>
-            </a:r>
-          </a:p>
-          <a:p>
-            <a:pPr marL="1270000" indent="0">
-              <a:buNone/>
-            </a:pPr>
-            <a:r>
-              <a:rPr sz="2000"/>
-              <a:t>Tip! This game is best played with groups over 10. If you have a larger group, you may want to add some extra tags. If you have a small group you may want to use fewer. Feel free to make up your own.</a:t>
-            </a:r>
-          </a:p>
-          <a:p>
-            <a:pPr lvl="1"/>
-            <a:r>
-              <a:rPr/>
-              <a:t>Select two players from the group to be the “Coders”. Hand one of them the first open tag and the other one the corresponding closed tag. Start with an easy one like  and .</a:t>
-            </a:r>
-          </a:p>
-          <a:p>
-            <a:pPr lvl="1"/>
-            <a:r>
-              <a:rPr/>
-              <a:t>Start the music and have the two Coders walk around the outside of the circle while the other players stand still. Make sure the Coders keep a little distance between them. You could have them start walking five paces from each other.</a:t>
-            </a:r>
-          </a:p>
-          <a:p>
-            <a:pPr lvl="1"/>
-            <a:r>
-              <a:rPr/>
-              <a:t>When you stop the music, the Coders attach the tags to the members of the circle they are standing closest to. Remember that tags must surround content.</a:t>
-            </a:r>
-          </a:p>
-          <a:p>
-            <a:pPr lvl="1"/>
-            <a:r>
-              <a:rPr/>
-              <a:t>Everyone who is standing in between the arrows of the open tag  and closed tag ; will now have to start clapping (the people wearing the tags, don’t have to). The clapping players should continue to clap for the rest of the game.</a:t>
-            </a:r>
-          </a:p>
-          <a:p>
-            <a:pPr lvl="1"/>
-            <a:r>
-              <a:rPr/>
-              <a:t>Now select two new tags and hand them to the Coders (for instance  and ).</a:t>
-            </a:r>
-          </a:p>
-          <a:p>
-            <a:pPr lvl="1"/>
-            <a:r>
-              <a:rPr/>
-              <a:t>Repeat steps 3 &amp; 4. This time, when the Coders hand over the tags, anyone who is between the  tags will have to sing. If any players are between both the  tags AND the  tags, then they will have to clap AND sing.</a:t>
-            </a:r>
-          </a:p>
-          <a:p>
-            <a:pPr lvl="1"/>
-            <a:r>
-              <a:rPr/>
-              <a:t>Continue these steps again with the rest of the tags (and any other tags you want to add the game) to make a fun, complicated tag dance party! When the Coders have the final tags, ask them to join the circle wherever they are once the music stops (instead of handing the tags to people in the circle). Everyone standing between the tags the Coders are holding performs the actions on their tags.</a:t>
-            </a:r>
-          </a:p>
-          <a:p>
-            <a:pPr lvl="1"/>
-            <a:r>
-              <a:rPr/>
-              <a:t>After all the tags have been used, you could have the players with tags move around one at a time to change up who is doing what. This will help help learners understand how tags are applied to content, how they open and close, in HTML.</a:t>
-            </a:r>
-          </a:p>
-          <a:p>
-            <a:pPr lvl="1"/>
-            <a:r>
-              <a:rPr/>
-              <a:t>Here in the real world, you have complete freedom to make their own tags names– later we’ll see that in the coding language HTML, we use a restricted set of tags names that everyone agrees upon, that make sense for web content. But for now, make up whatever tag you want.</a:t>
-            </a:r>
+            <a:r>
+              <a:rPr lang="en-GB" dirty="0"/>
+              <a:t>* What is the difference here? </a:t>
+            </a:r>
+          </a:p>
+          <a:p>
+            <a:r>
+              <a:rPr lang="en-GB" dirty="0"/>
+              <a:t>* What’s missing? </a:t>
+            </a:r>
+          </a:p>
+          <a:p>
+            <a:r>
+              <a:rPr lang="en-GB" dirty="0"/>
+              <a:t>* Which page is more eye catching? </a:t>
+            </a:r>
+          </a:p>
+          <a:p>
+            <a:r>
+              <a:rPr lang="en-GB" dirty="0"/>
+              <a:t>* Which page is more interesting? Which is easier to read? </a:t>
+            </a:r>
+          </a:p>
+          <a:p>
+            <a:r>
+              <a:rPr lang="en-GB" dirty="0"/>
+              <a:t>* Why? </a:t>
+            </a:r>
+          </a:p>
+          <a:p>
+            <a:r>
+              <a:rPr lang="en-GB" dirty="0"/>
+              <a:t/>
+            </a:r>
+            <a:br>
+              <a:rPr lang="en-GB" dirty="0"/>
+            </a:br>
+            <a:endParaRPr lang="en-GB" dirty="0"/>
           </a:p>
         </p:txBody>
       </p:sp>
     </p:spTree>
+    <p:extLst>
+      <p:ext uri="{BB962C8B-B14F-4D97-AF65-F5344CB8AC3E}">
+        <p14:creationId xmlns:p14="http://schemas.microsoft.com/office/powerpoint/2010/main" val="3883995127"/>
+      </p:ext>
+    </p:extLst>
   </p:cSld>
   <p:clrMapOvr>
     <a:masterClrMapping/>
   </p:clrMapOvr>
+  <p:timing>
+    <p:tnLst>
+      <p:par>
+        <p:cTn id="1" dur="indefinite" restart="never" nodeType="tmRoot"/>
+      </p:par>
+    </p:tnLst>
+  </p:timing>
 </p:sld>
 </file>
 
@@ -7620,172 +9134,58 @@
           <a:bodyPr/>
           <a:lstStyle/>
           <a:p>
-            <a:r>
-              <a:rPr/>
-              <a:t>Tags In Action</a:t>
-            </a:r>
+            <a:endParaRPr lang="en-GB"/>
           </a:p>
         </p:txBody>
       </p:sp>
-      <p:sp>
-        <p:nvSpPr>
-          <p:cNvPr id="3" name="Content Placeholder 2"/>
-          <p:cNvSpPr>
-            <a:spLocks noGrp="1"/>
-          </p:cNvSpPr>
+      <p:pic>
+        <p:nvPicPr>
+          <p:cNvPr id="4" name="Content Placeholder 3"/>
+          <p:cNvPicPr>
+            <a:picLocks noGrp="1" noChangeAspect="1"/>
+          </p:cNvPicPr>
           <p:nvPr>
             <p:ph idx="1"/>
           </p:nvPr>
-        </p:nvSpPr>
-        <p:spPr/>
-        <p:txBody>
-          <a:bodyPr>
-            <a:normAutofit fontScale="25000" lnSpcReduction="20000"/>
-          </a:bodyPr>
-          <a:lstStyle/>
-          <a:p>
-            <a:pPr lvl="1"/>
-            <a:r>
-              <a:rPr/>
-              <a:t>Introduction: Explain that we’ve seen what tags look like, and how they work with content (what’s inside the tags). Now let’s practice using some real tags that are part of the HyperText Markup Language (HTML).</a:t>
-            </a:r>
-          </a:p>
-          <a:p>
-            <a:pPr lvl="1"/>
-            <a:r>
-              <a:rPr/>
-              <a:t>First, let’s check out a simple HTML document– guess what– from a web designer and developer, when they are building web pages, what they are working with is HTML code in a simple text file.</a:t>
-            </a:r>
-          </a:p>
-          <a:p>
-            <a:pPr marL="1270000" indent="0">
-              <a:buNone/>
-            </a:pPr>
-            <a:r>
-              <a:rPr sz="2000"/>
-              <a:t>Tip! Open a simple HTML document in a text editor– NotePad for PC and TextEdit for Mac, and also show it in a browser. Point out the tags in the document, and and show what they do. Suggested basic tags: h1, h2, h3, p, a, body. You can also show a more complex document (use View Source in the browser) to show that all web pages are text and code interpreted by the computer.</a:t>
-            </a:r>
-          </a:p>
-          <a:p>
-            <a:pPr lvl="1"/>
-            <a:r>
-              <a:rPr/>
-              <a:t>These tags have agreed-upon meanings, so that both web developers and the people that write the browser software understand what they mean. The only reason why these tags work is because of those agreements– if you try to use some of your fun tags from “Tag the World” or “Tag Tag Revolution” on a web page, you won’t see anything, sadly.</a:t>
-            </a:r>
-          </a:p>
-          <a:p>
-            <a:pPr marL="1270000" indent="0">
-              <a:buNone/>
-            </a:pPr>
-            <a:r>
-              <a:rPr sz="2000"/>
-              <a:t>Tip! If learners are confused about what kind of tags would be relevant in HTML, remind them that HTML stands for “HyperText Markup Language”– that we assign tags to text content. Ask: why would “paragraph” be an HTML tag, and not “clap” or “sing”</a:t>
-            </a:r>
-          </a:p>
-          <a:p>
-            <a:pPr lvl="1"/>
-            <a:r>
-              <a:rPr/>
-              <a:t>When you use these tags, you’re writing HTML! And when the browser sees them, it will transform your web page from a boring block of text to something interesting and easy to read.</a:t>
-            </a:r>
-          </a:p>
-          <a:p>
-            <a:pPr lvl="1"/>
-            <a:r>
-              <a:rPr/>
-              <a:t>Let’s Tag! Get learners to add tags to some existing content.</a:t>
-            </a:r>
-          </a:p>
-          <a:p>
-            <a:pPr lvl="1"/>
-            <a:r>
-              <a:rPr/>
-              <a:t>OFFLINE, For this part, you’ll need some content– maybe a fun news story or a biography of someone, or some other interesting content, printed out big on 11x 7 sheets, and chopped up into chunks– paragraphs, headings, links, etc. You’ll also need some sticky note or paper slips for tags. Either write out the tags, or let learners create the (from the list only). Split users into small groups and give each group a collection of text and of tags.</a:t>
-            </a:r>
-          </a:p>
-          <a:p>
-            <a:pPr lvl="1"/>
-            <a:r>
-              <a:rPr/>
-              <a:t>ONLINE, For this part you will need a text file with some basic unformatted content in it, same type as above. First ask users to save the file as .html. Explain the purpose of the</a:t>
-            </a:r>
-          </a:p>
-          <a:p>
-            <a:pPr lvl="1">
-              <a:buNone/>
-            </a:pPr>
-            <a:r>
-              <a:rPr/>
-              <a:t>and</a:t>
-            </a:r>
-          </a:p>
-          <a:p>
-            <a:pPr lvl="1">
-              <a:buNone/>
-            </a:pPr>
-            <a:r>
-              <a:rPr/>
-              <a:t>tags. Then set them loose to type in their tags!</a:t>
-            </a:r>
-          </a:p>
-          <a:p>
-            <a:pPr marL="1270000" indent="0">
-              <a:buNone/>
-            </a:pPr>
-            <a:r>
-              <a:rPr sz="2000"/>
-              <a:t>Tip! For ONLINE, create a text file with the content, and have users edit it with THE MOST BASIC text editor– Notepad on a PC or TextEdit on a Mac– in plain text mode. Facilitator may need to explain the head, title tags.</a:t>
-            </a:r>
-          </a:p>
-          <a:p>
-            <a:pPr lvl="1"/>
-            <a:r>
-              <a:rPr/>
-              <a:t>Explain to learners that they need to first surround all the content with the body tags– let the browser know that all the content here is for display on the web!</a:t>
-            </a:r>
-          </a:p>
-          <a:p>
-            <a:pPr lvl="1"/>
-            <a:r>
-              <a:rPr/>
-              <a:t>Ask learners to organize the content using the tags. Find the biggest most important headings, break up the paragraphs, add small headings, and look for stuff that can be hyperlinks. Walk around the room and help here and there.</a:t>
-            </a:r>
-          </a:p>
-          <a:p>
-            <a:pPr lvl="1"/>
-            <a:r>
-              <a:rPr/>
-              <a:t>At the end of the exercise, if possible, both online and offline learners should see the page loaded into a browser. Online learners can save and open their .html file in a browser. For offline learners, the facilitator should if possible show the finished page on a computer and monitor.</a:t>
-            </a:r>
-          </a:p>
-          <a:p>
-            <a:pPr lvl="1"/>
-            <a:r>
-              <a:rPr/>
-              <a:t>Explain to users that these files are still on their local computers, and viewable only there. You haven’t yet put them “online” on a server, where others can find it, so they’re not on the web.</a:t>
-            </a:r>
-          </a:p>
-          <a:p>
-            <a:pPr marL="1270000" indent="0">
-              <a:buNone/>
-            </a:pPr>
-            <a:r>
-              <a:rPr sz="2000"/>
-              <a:t>Tip! Remind users of the Map the Web activity, to help them visualize how their client computer is connected. They can access content on web servers, but other computers on the web can’t access the clients files.</a:t>
-            </a:r>
-          </a:p>
-        </p:txBody>
-      </p:sp>
+        </p:nvPicPr>
+        <p:blipFill>
+          <a:blip r:embed="rId2"/>
+          <a:stretch>
+            <a:fillRect/>
+          </a:stretch>
+        </p:blipFill>
+        <p:spPr>
+          <a:xfrm>
+            <a:off x="415601" y="-1"/>
+            <a:ext cx="8672851" cy="11203335"/>
+          </a:xfrm>
+          <a:prstGeom prst="rect">
+            <a:avLst/>
+          </a:prstGeom>
+        </p:spPr>
+      </p:pic>
     </p:spTree>
+    <p:extLst>
+      <p:ext uri="{BB962C8B-B14F-4D97-AF65-F5344CB8AC3E}">
+        <p14:creationId xmlns:p14="http://schemas.microsoft.com/office/powerpoint/2010/main" val="4095551818"/>
+      </p:ext>
+    </p:extLst>
   </p:cSld>
   <p:clrMapOvr>
     <a:masterClrMapping/>
   </p:clrMapOvr>
+  <p:timing>
+    <p:tnLst>
+      <p:par>
+        <p:cTn id="1" dur="indefinite" restart="never" nodeType="tmRoot"/>
+      </p:par>
+    </p:tnLst>
+  </p:timing>
 </p:sld>
 </file>
 
 <file path=ppt/slides/slide9.xml><?xml version="1.0" encoding="utf-8"?>
-<p:sld xmlns:a="http://schemas.openxmlformats.org/drawingml/2006/main" xmlns:r="http://schemas.openxmlformats.org/officeDocument/2006/relationships" xmlns:p="http://schemas.openxmlformats.org/presentationml/2006/main">
+<p:sld xmlns:a="http://schemas.openxmlformats.org/drawingml/2006/main" xmlns:r="http://schemas.openxmlformats.org/officeDocument/2006/relationships" xmlns:p="http://schemas.openxmlformats.org/presentationml/2006/main" show="0">
   <p:cSld>
     <p:spTree>
       <p:nvGrpSpPr>
@@ -7816,49 +9216,65 @@
           <a:bodyPr/>
           <a:lstStyle/>
           <a:p>
-            <a:r>
-              <a:rPr/>
-              <a:t>mozilla</a:t>
-            </a:r>
+            <a:endParaRPr lang="en-GB"/>
           </a:p>
         </p:txBody>
       </p:sp>
-      <p:sp>
-        <p:nvSpPr>
-          <p:cNvPr id="3" name="Content Placeholder 2"/>
-          <p:cNvSpPr>
-            <a:spLocks noGrp="1"/>
-          </p:cNvSpPr>
+      <p:pic>
+        <p:nvPicPr>
+          <p:cNvPr id="4" name="Content Placeholder 3"/>
+          <p:cNvPicPr>
+            <a:picLocks noGrp="1" noChangeAspect="1"/>
+          </p:cNvPicPr>
           <p:nvPr>
             <p:ph idx="1"/>
           </p:nvPr>
-        </p:nvSpPr>
-        <p:spPr/>
-        <p:txBody>
-          <a:bodyPr/>
-          <a:lstStyle/>
-          <a:p>
-            <a:pPr marL="0" indent="0">
-              <a:buNone/>
-            </a:pPr>
-            <a:r>
-              <a:rPr/>
-              <a:t>Mozilla is a global non-profit dedicated to putting you in control of your online experience and shaping the future of the web for the public good. Visit us at </a:t>
-            </a:r>
-            <a:r>
-              <a:rPr>
-                <a:hlinkClick r:id="rId2"/>
-              </a:rPr>
-              <a:t>mozilla.org</a:t>
-            </a:r>
-          </a:p>
-        </p:txBody>
-      </p:sp>
+        </p:nvPicPr>
+        <p:blipFill>
+          <a:blip r:embed="rId2"/>
+          <a:stretch>
+            <a:fillRect/>
+          </a:stretch>
+        </p:blipFill>
+        <p:spPr>
+          <a:xfrm>
+            <a:off x="415601" y="-4315330"/>
+            <a:ext cx="8672851" cy="11203335"/>
+          </a:xfrm>
+          <a:prstGeom prst="rect">
+            <a:avLst/>
+          </a:prstGeom>
+        </p:spPr>
+      </p:pic>
     </p:spTree>
+    <p:extLst>
+      <p:ext uri="{BB962C8B-B14F-4D97-AF65-F5344CB8AC3E}">
+        <p14:creationId xmlns:p14="http://schemas.microsoft.com/office/powerpoint/2010/main" val="2627379504"/>
+      </p:ext>
+    </p:extLst>
   </p:cSld>
   <p:clrMapOvr>
     <a:masterClrMapping/>
   </p:clrMapOvr>
+  <mc:AlternateContent xmlns:mc="http://schemas.openxmlformats.org/markup-compatibility/2006" xmlns:p14="http://schemas.microsoft.com/office/powerpoint/2010/main">
+    <mc:Choice Requires="p14">
+      <p:transition spd="med" p14:dur="700">
+        <p:fade/>
+      </p:transition>
+    </mc:Choice>
+    <mc:Fallback xmlns="">
+      <p:transition spd="med">
+        <p:fade/>
+      </p:transition>
+    </mc:Fallback>
+  </mc:AlternateContent>
+  <p:timing>
+    <p:tnLst>
+      <p:par>
+        <p:cTn id="1" dur="indefinite" restart="never" nodeType="tmRoot"/>
+      </p:par>
+    </p:tnLst>
+  </p:timing>
 </p:sld>
 </file>
 
